--- a/Documents/Kasakyan_James_Proposal_Final_Presentation.pptx
+++ b/Documents/Kasakyan_James_Proposal_Final_Presentation.pptx
@@ -12,8 +12,10 @@
     <p:sldId id="264" r:id="rId6"/>
     <p:sldId id="265" r:id="rId7"/>
     <p:sldId id="261" r:id="rId8"/>
-    <p:sldId id="262" r:id="rId9"/>
-    <p:sldId id="263" r:id="rId10"/>
+    <p:sldId id="266" r:id="rId9"/>
+    <p:sldId id="267" r:id="rId10"/>
+    <p:sldId id="262" r:id="rId11"/>
+    <p:sldId id="263" r:id="rId12"/>
   </p:sldIdLst>
   <p:sldSz cx="9144000" cy="6858000" type="screen4x3"/>
   <p:notesSz cx="6858000" cy="9144000"/>
@@ -5052,6 +5054,195 @@
   <p:clrMapOvr>
     <a:masterClrMapping/>
   </p:clrMapOvr>
+</p:sld>
+</file>
+
+<file path=ppt/slides/slide10.xml><?xml version="1.0" encoding="utf-8"?>
+<p:sld xmlns:a="http://schemas.openxmlformats.org/drawingml/2006/main" xmlns:r="http://schemas.openxmlformats.org/officeDocument/2006/relationships" xmlns:p="http://schemas.openxmlformats.org/presentationml/2006/main">
+  <p:cSld>
+    <p:spTree>
+      <p:nvGrpSpPr>
+        <p:cNvPr id="1" name=""/>
+        <p:cNvGrpSpPr/>
+        <p:nvPr/>
+      </p:nvGrpSpPr>
+      <p:grpSpPr>
+        <a:xfrm>
+          <a:off x="0" y="0"/>
+          <a:ext cx="0" cy="0"/>
+          <a:chOff x="0" y="0"/>
+          <a:chExt cx="0" cy="0"/>
+        </a:xfrm>
+      </p:grpSpPr>
+      <p:sp>
+        <p:nvSpPr>
+          <p:cNvPr id="2" name="Title 1"/>
+          <p:cNvSpPr>
+            <a:spLocks noGrp="1"/>
+          </p:cNvSpPr>
+          <p:nvPr>
+            <p:ph type="title"/>
+          </p:nvPr>
+        </p:nvSpPr>
+        <p:spPr/>
+        <p:txBody>
+          <a:bodyPr/>
+          <a:lstStyle/>
+          <a:p>
+            <a:r>
+              <a:rPr lang="en-US" dirty="0" smtClean="0"/>
+              <a:t>Project Deliverables</a:t>
+            </a:r>
+            <a:endParaRPr lang="en-US" dirty="0"/>
+          </a:p>
+        </p:txBody>
+      </p:sp>
+      <p:sp>
+        <p:nvSpPr>
+          <p:cNvPr id="3" name="Content Placeholder 2"/>
+          <p:cNvSpPr>
+            <a:spLocks noGrp="1"/>
+          </p:cNvSpPr>
+          <p:nvPr>
+            <p:ph idx="1"/>
+          </p:nvPr>
+        </p:nvSpPr>
+        <p:spPr/>
+        <p:txBody>
+          <a:bodyPr/>
+          <a:lstStyle/>
+          <a:p>
+            <a:r>
+              <a:rPr lang="en-US" dirty="0" smtClean="0"/>
+              <a:t>Visualization: 2D </a:t>
+            </a:r>
+            <a:r>
+              <a:rPr lang="en-US" dirty="0" err="1" smtClean="0"/>
+              <a:t>Choropleth</a:t>
+            </a:r>
+            <a:r>
+              <a:rPr lang="en-US" dirty="0" smtClean="0"/>
+              <a:t> map</a:t>
+            </a:r>
+          </a:p>
+          <a:p>
+            <a:pPr lvl="1"/>
+            <a:r>
+              <a:rPr lang="en-US" dirty="0" smtClean="0"/>
+              <a:t>Partitioned by ZIP</a:t>
+            </a:r>
+            <a:endParaRPr lang="en-US" dirty="0"/>
+          </a:p>
+        </p:txBody>
+      </p:sp>
+      <p:pic>
+        <p:nvPicPr>
+          <p:cNvPr id="5" name="Picture 4"/>
+          <p:cNvPicPr>
+            <a:picLocks noChangeAspect="1"/>
+          </p:cNvPicPr>
+          <p:nvPr/>
+        </p:nvPicPr>
+        <p:blipFill>
+          <a:blip r:embed="rId2"/>
+          <a:stretch>
+            <a:fillRect/>
+          </a:stretch>
+        </p:blipFill>
+        <p:spPr>
+          <a:xfrm>
+            <a:off x="2192833" y="3465502"/>
+            <a:ext cx="4751246" cy="3178056"/>
+          </a:xfrm>
+          <a:prstGeom prst="rect">
+            <a:avLst/>
+          </a:prstGeom>
+        </p:spPr>
+      </p:pic>
+    </p:spTree>
+    <p:extLst>
+      <p:ext uri="{BB962C8B-B14F-4D97-AF65-F5344CB8AC3E}">
+        <p14:creationId xmlns:p14="http://schemas.microsoft.com/office/powerpoint/2010/main" val="974367304"/>
+      </p:ext>
+    </p:extLst>
+  </p:cSld>
+  <p:clrMapOvr>
+    <a:masterClrMapping/>
+  </p:clrMapOvr>
+  <p:timing>
+    <p:tnLst>
+      <p:par>
+        <p:cTn xmlns:p14="http://schemas.microsoft.com/office/powerpoint/2010/main" id="1" dur="indefinite" restart="never" nodeType="tmRoot"/>
+      </p:par>
+    </p:tnLst>
+  </p:timing>
+</p:sld>
+</file>
+
+<file path=ppt/slides/slide11.xml><?xml version="1.0" encoding="utf-8"?>
+<p:sld xmlns:a="http://schemas.openxmlformats.org/drawingml/2006/main" xmlns:r="http://schemas.openxmlformats.org/officeDocument/2006/relationships" xmlns:p="http://schemas.openxmlformats.org/presentationml/2006/main">
+  <p:cSld>
+    <p:spTree>
+      <p:nvGrpSpPr>
+        <p:cNvPr id="1" name=""/>
+        <p:cNvGrpSpPr/>
+        <p:nvPr/>
+      </p:nvGrpSpPr>
+      <p:grpSpPr>
+        <a:xfrm>
+          <a:off x="0" y="0"/>
+          <a:ext cx="0" cy="0"/>
+          <a:chOff x="0" y="0"/>
+          <a:chExt cx="0" cy="0"/>
+        </a:xfrm>
+      </p:grpSpPr>
+      <p:pic>
+        <p:nvPicPr>
+          <p:cNvPr id="11" name="Picture 10" descr="Screen Shot 2016-04-03 at 10.43.53 PM.png"/>
+          <p:cNvPicPr>
+            <a:picLocks noChangeAspect="1"/>
+          </p:cNvPicPr>
+          <p:nvPr/>
+        </p:nvPicPr>
+        <p:blipFill>
+          <a:blip r:embed="rId2">
+            <a:extLst>
+              <a:ext uri="{28A0092B-C50C-407E-A947-70E740481C1C}">
+                <a14:useLocalDpi xmlns:a14="http://schemas.microsoft.com/office/drawing/2010/main" val="0"/>
+              </a:ext>
+            </a:extLst>
+          </a:blip>
+          <a:stretch>
+            <a:fillRect/>
+          </a:stretch>
+        </p:blipFill>
+        <p:spPr>
+          <a:xfrm>
+            <a:off x="0" y="63500"/>
+            <a:ext cx="9144000" cy="6716389"/>
+          </a:xfrm>
+          <a:prstGeom prst="rect">
+            <a:avLst/>
+          </a:prstGeom>
+        </p:spPr>
+      </p:pic>
+    </p:spTree>
+    <p:extLst>
+      <p:ext uri="{BB962C8B-B14F-4D97-AF65-F5344CB8AC3E}">
+        <p14:creationId xmlns:p14="http://schemas.microsoft.com/office/powerpoint/2010/main" val="494958113"/>
+      </p:ext>
+    </p:extLst>
+  </p:cSld>
+  <p:clrMapOvr>
+    <a:masterClrMapping/>
+  </p:clrMapOvr>
+  <p:timing>
+    <p:tnLst>
+      <p:par>
+        <p:cTn xmlns:p14="http://schemas.microsoft.com/office/powerpoint/2010/main" id="1" dur="indefinite" restart="never" nodeType="tmRoot"/>
+      </p:par>
+    </p:tnLst>
+  </p:timing>
 </p:sld>
 </file>
 
@@ -6968,19 +7159,53 @@
           <a:p>
             <a:r>
               <a:rPr lang="en-US" dirty="0" smtClean="0"/>
-              <a:t>CSV is apparently a difficult concept </a:t>
-            </a:r>
-            <a:r>
-              <a:rPr lang="en-US" smtClean="0"/>
-              <a:t>to grasp</a:t>
-            </a:r>
-          </a:p>
-          <a:p>
-            <a:pPr lvl="1"/>
+              <a:t>CSV is apparently a difficult concept to grasp</a:t>
+            </a:r>
+          </a:p>
+          <a:p>
+            <a:pPr marL="0" indent="0">
+              <a:buNone/>
+            </a:pPr>
             <a:endParaRPr lang="en-US" dirty="0" smtClean="0"/>
           </a:p>
-        </p:txBody>
-      </p:sp>
+          <a:p>
+            <a:pPr marL="349250" lvl="1" indent="0">
+              <a:buNone/>
+            </a:pPr>
+            <a:endParaRPr lang="en-US" dirty="0" smtClean="0"/>
+          </a:p>
+        </p:txBody>
+      </p:sp>
+      <p:pic>
+        <p:nvPicPr>
+          <p:cNvPr id="8" name="Picture 7" descr="Screen Shot 2016-05-16 at 2.24.47 AM.png"/>
+          <p:cNvPicPr>
+            <a:picLocks noChangeAspect="1"/>
+          </p:cNvPicPr>
+          <p:nvPr/>
+        </p:nvPicPr>
+        <p:blipFill>
+          <a:blip r:embed="rId2">
+            <a:extLst>
+              <a:ext uri="{28A0092B-C50C-407E-A947-70E740481C1C}">
+                <a14:useLocalDpi xmlns:a14="http://schemas.microsoft.com/office/drawing/2010/main" val="0"/>
+              </a:ext>
+            </a:extLst>
+          </a:blip>
+          <a:stretch>
+            <a:fillRect/>
+          </a:stretch>
+        </p:blipFill>
+        <p:spPr>
+          <a:xfrm>
+            <a:off x="850900" y="4105900"/>
+            <a:ext cx="7442200" cy="2641600"/>
+          </a:xfrm>
+          <a:prstGeom prst="rect">
+            <a:avLst/>
+          </a:prstGeom>
+        </p:spPr>
+      </p:pic>
     </p:spTree>
     <p:extLst>
       <p:ext uri="{BB962C8B-B14F-4D97-AF65-F5344CB8AC3E}">
@@ -7028,7 +7253,7 @@
           <a:p>
             <a:r>
               <a:rPr lang="en-US" dirty="0" smtClean="0"/>
-              <a:t>Project Deliverables</a:t>
+              <a:t>Big Data Challenges</a:t>
             </a:r>
             <a:endParaRPr lang="en-US" dirty="0"/>
           </a:p>
@@ -7051,68 +7276,67 @@
           <a:p>
             <a:r>
               <a:rPr lang="en-US" dirty="0" smtClean="0"/>
-              <a:t>Visualization: 2D </a:t>
+              <a:t>311 dataset </a:t>
+            </a:r>
+          </a:p>
+          <a:p>
+            <a:pPr lvl="1"/>
+            <a:r>
+              <a:rPr lang="en-US" dirty="0" smtClean="0"/>
+              <a:t>86 complaint descriptor types for street related complaints </a:t>
+            </a:r>
+            <a:r>
+              <a:rPr lang="en-US" dirty="0"/>
+              <a:t>(pothole, </a:t>
+            </a:r>
+            <a:r>
+              <a:rPr lang="en-US" dirty="0" smtClean="0"/>
+              <a:t>traffic signal light, </a:t>
             </a:r>
             <a:r>
               <a:rPr lang="en-US" dirty="0" err="1" smtClean="0"/>
-              <a:t>Choropleth</a:t>
+              <a:t>etc</a:t>
             </a:r>
             <a:r>
               <a:rPr lang="en-US" dirty="0" smtClean="0"/>
-              <a:t> map</a:t>
+              <a:t>)</a:t>
+            </a:r>
+          </a:p>
+          <a:p>
+            <a:r>
+              <a:rPr lang="en-US" dirty="0" smtClean="0"/>
+              <a:t>NYPD Motor Vehicle accident dataset</a:t>
             </a:r>
           </a:p>
           <a:p>
             <a:pPr lvl="1"/>
             <a:r>
               <a:rPr lang="en-US" dirty="0" smtClean="0"/>
-              <a:t>Partitioned by ZIP</a:t>
-            </a:r>
+              <a:t>  47 unique accident factors (unsafe speed, fell asleep)</a:t>
+            </a:r>
+          </a:p>
+          <a:p>
+            <a:pPr lvl="1"/>
+            <a:r>
+              <a:rPr lang="en-US" dirty="0" smtClean="0"/>
+              <a:t>17 unique vehicle type classifiers (bus, bicycle)</a:t>
+            </a:r>
+          </a:p>
+          <a:p>
             <a:endParaRPr lang="en-US" dirty="0"/>
           </a:p>
         </p:txBody>
       </p:sp>
-      <p:pic>
-        <p:nvPicPr>
-          <p:cNvPr id="5" name="Picture 4"/>
-          <p:cNvPicPr>
-            <a:picLocks noChangeAspect="1"/>
-          </p:cNvPicPr>
-          <p:nvPr/>
-        </p:nvPicPr>
-        <p:blipFill>
-          <a:blip r:embed="rId2"/>
-          <a:stretch>
-            <a:fillRect/>
-          </a:stretch>
-        </p:blipFill>
-        <p:spPr>
-          <a:xfrm>
-            <a:off x="2192833" y="3465502"/>
-            <a:ext cx="4751246" cy="3178056"/>
-          </a:xfrm>
-          <a:prstGeom prst="rect">
-            <a:avLst/>
-          </a:prstGeom>
-        </p:spPr>
-      </p:pic>
     </p:spTree>
     <p:extLst>
       <p:ext uri="{BB962C8B-B14F-4D97-AF65-F5344CB8AC3E}">
-        <p14:creationId xmlns:p14="http://schemas.microsoft.com/office/powerpoint/2010/main" val="974367304"/>
+        <p14:creationId xmlns:p14="http://schemas.microsoft.com/office/powerpoint/2010/main" val="3902492831"/>
       </p:ext>
     </p:extLst>
   </p:cSld>
   <p:clrMapOvr>
     <a:masterClrMapping/>
   </p:clrMapOvr>
-  <p:timing>
-    <p:tnLst>
-      <p:par>
-        <p:cTn xmlns:p14="http://schemas.microsoft.com/office/powerpoint/2010/main" id="1" dur="indefinite" restart="never" nodeType="tmRoot"/>
-      </p:par>
-    </p:tnLst>
-  </p:timing>
 </p:sld>
 </file>
 
@@ -7133,13 +7357,38 @@
           <a:chExt cx="0" cy="0"/>
         </a:xfrm>
       </p:grpSpPr>
+      <p:sp>
+        <p:nvSpPr>
+          <p:cNvPr id="2" name="Title 1"/>
+          <p:cNvSpPr>
+            <a:spLocks noGrp="1"/>
+          </p:cNvSpPr>
+          <p:nvPr>
+            <p:ph type="title"/>
+          </p:nvPr>
+        </p:nvSpPr>
+        <p:spPr/>
+        <p:txBody>
+          <a:bodyPr/>
+          <a:lstStyle/>
+          <a:p>
+            <a:r>
+              <a:rPr lang="en-US" dirty="0" smtClean="0"/>
+              <a:t>Big Data Challenges</a:t>
+            </a:r>
+            <a:endParaRPr lang="en-US" dirty="0"/>
+          </a:p>
+        </p:txBody>
+      </p:sp>
       <p:pic>
         <p:nvPicPr>
-          <p:cNvPr id="11" name="Picture 10" descr="Screen Shot 2016-04-03 at 10.43.53 PM.png"/>
+          <p:cNvPr id="11" name="Content Placeholder 10" descr="Screen Shot 2016-05-16 at 2.45.05 AM.png"/>
           <p:cNvPicPr>
-            <a:picLocks noChangeAspect="1"/>
+            <a:picLocks noGrp="1" noChangeAspect="1"/>
           </p:cNvPicPr>
-          <p:nvPr/>
+          <p:nvPr>
+            <p:ph idx="1"/>
+          </p:nvPr>
         </p:nvPicPr>
         <p:blipFill>
           <a:blip r:embed="rId2">
@@ -7149,37 +7398,28 @@
               </a:ext>
             </a:extLst>
           </a:blip>
+          <a:srcRect l="11809" r="11809"/>
           <a:stretch>
             <a:fillRect/>
           </a:stretch>
         </p:blipFill>
         <p:spPr>
           <a:xfrm>
-            <a:off x="0" y="63500"/>
-            <a:ext cx="9144000" cy="6716389"/>
+            <a:off x="1309593" y="2595562"/>
+            <a:ext cx="7415307" cy="3670767"/>
           </a:xfrm>
-          <a:prstGeom prst="rect">
-            <a:avLst/>
-          </a:prstGeom>
         </p:spPr>
       </p:pic>
     </p:spTree>
     <p:extLst>
       <p:ext uri="{BB962C8B-B14F-4D97-AF65-F5344CB8AC3E}">
-        <p14:creationId xmlns:p14="http://schemas.microsoft.com/office/powerpoint/2010/main" val="494958113"/>
+        <p14:creationId xmlns:p14="http://schemas.microsoft.com/office/powerpoint/2010/main" val="2865855638"/>
       </p:ext>
     </p:extLst>
   </p:cSld>
   <p:clrMapOvr>
     <a:masterClrMapping/>
   </p:clrMapOvr>
-  <p:timing>
-    <p:tnLst>
-      <p:par>
-        <p:cTn xmlns:p14="http://schemas.microsoft.com/office/powerpoint/2010/main" id="1" dur="indefinite" restart="never" nodeType="tmRoot"/>
-      </p:par>
-    </p:tnLst>
-  </p:timing>
 </p:sld>
 </file>
 

--- a/Documents/Kasakyan_James_Proposal_Final_Presentation.pptx
+++ b/Documents/Kasakyan_James_Proposal_Final_Presentation.pptx
@@ -10,12 +10,17 @@
     <p:sldId id="258" r:id="rId4"/>
     <p:sldId id="260" r:id="rId5"/>
     <p:sldId id="264" r:id="rId6"/>
-    <p:sldId id="265" r:id="rId7"/>
-    <p:sldId id="261" r:id="rId8"/>
-    <p:sldId id="266" r:id="rId9"/>
-    <p:sldId id="267" r:id="rId10"/>
-    <p:sldId id="262" r:id="rId11"/>
-    <p:sldId id="263" r:id="rId12"/>
+    <p:sldId id="261" r:id="rId7"/>
+    <p:sldId id="266" r:id="rId8"/>
+    <p:sldId id="267" r:id="rId9"/>
+    <p:sldId id="271" r:id="rId10"/>
+    <p:sldId id="272" r:id="rId11"/>
+    <p:sldId id="268" r:id="rId12"/>
+    <p:sldId id="269" r:id="rId13"/>
+    <p:sldId id="270" r:id="rId14"/>
+    <p:sldId id="273" r:id="rId15"/>
+    <p:sldId id="262" r:id="rId16"/>
+    <p:sldId id="263" r:id="rId17"/>
   </p:sldIdLst>
   <p:sldSz cx="9144000" cy="6858000" type="screen4x3"/>
   <p:notesSz cx="6858000" cy="9144000"/>
@@ -5090,6 +5095,594 @@
           <a:lstStyle/>
           <a:p>
             <a:r>
+              <a:rPr lang="en-US" dirty="0" smtClean="0">
+                <a:sym typeface="Wingdings"/>
+              </a:rPr>
+              <a:t></a:t>
+            </a:r>
+            <a:endParaRPr lang="en-US" dirty="0"/>
+          </a:p>
+        </p:txBody>
+      </p:sp>
+      <p:pic>
+        <p:nvPicPr>
+          <p:cNvPr id="6" name="Content Placeholder 5" descr="Screen Shot 2016-05-16 at 5.52.46 AM.png"/>
+          <p:cNvPicPr>
+            <a:picLocks noGrp="1" noChangeAspect="1"/>
+          </p:cNvPicPr>
+          <p:nvPr>
+            <p:ph idx="1"/>
+          </p:nvPr>
+        </p:nvPicPr>
+        <p:blipFill>
+          <a:blip r:embed="rId2">
+            <a:extLst>
+              <a:ext uri="{28A0092B-C50C-407E-A947-70E740481C1C}">
+                <a14:useLocalDpi xmlns:a14="http://schemas.microsoft.com/office/drawing/2010/main" val="0"/>
+              </a:ext>
+            </a:extLst>
+          </a:blip>
+          <a:srcRect l="11235" r="11235"/>
+          <a:stretch>
+            <a:fillRect/>
+          </a:stretch>
+        </p:blipFill>
+        <p:spPr>
+          <a:xfrm>
+            <a:off x="360415" y="2145749"/>
+            <a:ext cx="8634879" cy="4164868"/>
+          </a:xfrm>
+        </p:spPr>
+      </p:pic>
+    </p:spTree>
+    <p:extLst>
+      <p:ext uri="{BB962C8B-B14F-4D97-AF65-F5344CB8AC3E}">
+        <p14:creationId xmlns:p14="http://schemas.microsoft.com/office/powerpoint/2010/main" val="135227885"/>
+      </p:ext>
+    </p:extLst>
+  </p:cSld>
+  <p:clrMapOvr>
+    <a:masterClrMapping/>
+  </p:clrMapOvr>
+</p:sld>
+</file>
+
+<file path=ppt/slides/slide11.xml><?xml version="1.0" encoding="utf-8"?>
+<p:sld xmlns:a="http://schemas.openxmlformats.org/drawingml/2006/main" xmlns:r="http://schemas.openxmlformats.org/officeDocument/2006/relationships" xmlns:p="http://schemas.openxmlformats.org/presentationml/2006/main">
+  <p:cSld>
+    <p:spTree>
+      <p:nvGrpSpPr>
+        <p:cNvPr id="1" name=""/>
+        <p:cNvGrpSpPr/>
+        <p:nvPr/>
+      </p:nvGrpSpPr>
+      <p:grpSpPr>
+        <a:xfrm>
+          <a:off x="0" y="0"/>
+          <a:ext cx="0" cy="0"/>
+          <a:chOff x="0" y="0"/>
+          <a:chExt cx="0" cy="0"/>
+        </a:xfrm>
+      </p:grpSpPr>
+      <p:sp>
+        <p:nvSpPr>
+          <p:cNvPr id="2" name="Title 1"/>
+          <p:cNvSpPr>
+            <a:spLocks noGrp="1"/>
+          </p:cNvSpPr>
+          <p:nvPr>
+            <p:ph type="title"/>
+          </p:nvPr>
+        </p:nvSpPr>
+        <p:spPr/>
+        <p:txBody>
+          <a:bodyPr/>
+          <a:lstStyle/>
+          <a:p>
+            <a:r>
+              <a:rPr lang="en-US" dirty="0" smtClean="0"/>
+              <a:t>Walkthrough</a:t>
+            </a:r>
+            <a:endParaRPr lang="en-US" dirty="0"/>
+          </a:p>
+        </p:txBody>
+      </p:sp>
+      <p:sp>
+        <p:nvSpPr>
+          <p:cNvPr id="3" name="Content Placeholder 2"/>
+          <p:cNvSpPr>
+            <a:spLocks noGrp="1"/>
+          </p:cNvSpPr>
+          <p:nvPr>
+            <p:ph idx="1"/>
+          </p:nvPr>
+        </p:nvSpPr>
+        <p:spPr/>
+        <p:txBody>
+          <a:bodyPr>
+            <a:normAutofit/>
+          </a:bodyPr>
+          <a:lstStyle/>
+          <a:p>
+            <a:endParaRPr lang="en-US" dirty="0" smtClean="0"/>
+          </a:p>
+          <a:p>
+            <a:r>
+              <a:rPr lang="en-US" dirty="0" smtClean="0"/>
+              <a:t>NYPD Motor Vehicle Accident dataset</a:t>
+            </a:r>
+          </a:p>
+          <a:p>
+            <a:pPr lvl="1"/>
+            <a:r>
+              <a:rPr lang="en-US" dirty="0"/>
+              <a:t>Goal was zip code as key, with aggregations like total number of accidents, top accident factors, etc.</a:t>
+            </a:r>
+          </a:p>
+          <a:p>
+            <a:pPr lvl="1"/>
+            <a:r>
+              <a:rPr lang="en-US" dirty="0"/>
+              <a:t>Standard map/reduce/aggregate</a:t>
+            </a:r>
+          </a:p>
+          <a:p>
+            <a:pPr lvl="1"/>
+            <a:r>
+              <a:rPr lang="en-US" dirty="0"/>
+              <a:t>Top n on factors and vehicle types</a:t>
+            </a:r>
+          </a:p>
+          <a:p>
+            <a:r>
+              <a:rPr lang="en-US" dirty="0" smtClean="0"/>
+              <a:t>47 unique accident factors (unsafe speed, fell asleep)</a:t>
+            </a:r>
+          </a:p>
+          <a:p>
+            <a:r>
+              <a:rPr lang="en-US" dirty="0" smtClean="0"/>
+              <a:t>17 unique vehicle type classifiers (bus, bicycle</a:t>
+            </a:r>
+            <a:endParaRPr lang="en-US" dirty="0"/>
+          </a:p>
+          <a:p>
+            <a:endParaRPr lang="en-US" dirty="0" smtClean="0"/>
+          </a:p>
+        </p:txBody>
+      </p:sp>
+    </p:spTree>
+    <p:extLst>
+      <p:ext uri="{BB962C8B-B14F-4D97-AF65-F5344CB8AC3E}">
+        <p14:creationId xmlns:p14="http://schemas.microsoft.com/office/powerpoint/2010/main" val="3845653758"/>
+      </p:ext>
+    </p:extLst>
+  </p:cSld>
+  <p:clrMapOvr>
+    <a:masterClrMapping/>
+  </p:clrMapOvr>
+</p:sld>
+</file>
+
+<file path=ppt/slides/slide12.xml><?xml version="1.0" encoding="utf-8"?>
+<p:sld xmlns:a="http://schemas.openxmlformats.org/drawingml/2006/main" xmlns:r="http://schemas.openxmlformats.org/officeDocument/2006/relationships" xmlns:p="http://schemas.openxmlformats.org/presentationml/2006/main">
+  <p:cSld>
+    <p:spTree>
+      <p:nvGrpSpPr>
+        <p:cNvPr id="1" name=""/>
+        <p:cNvGrpSpPr/>
+        <p:nvPr/>
+      </p:nvGrpSpPr>
+      <p:grpSpPr>
+        <a:xfrm>
+          <a:off x="0" y="0"/>
+          <a:ext cx="0" cy="0"/>
+          <a:chOff x="0" y="0"/>
+          <a:chExt cx="0" cy="0"/>
+        </a:xfrm>
+      </p:grpSpPr>
+      <p:sp>
+        <p:nvSpPr>
+          <p:cNvPr id="2" name="Title 1"/>
+          <p:cNvSpPr>
+            <a:spLocks noGrp="1"/>
+          </p:cNvSpPr>
+          <p:nvPr>
+            <p:ph type="title"/>
+          </p:nvPr>
+        </p:nvSpPr>
+        <p:spPr/>
+        <p:txBody>
+          <a:bodyPr/>
+          <a:lstStyle/>
+          <a:p>
+            <a:r>
+              <a:rPr lang="en-US" dirty="0" smtClean="0"/>
+              <a:t>Walkthrough</a:t>
+            </a:r>
+            <a:endParaRPr lang="en-US" dirty="0"/>
+          </a:p>
+        </p:txBody>
+      </p:sp>
+      <p:sp>
+        <p:nvSpPr>
+          <p:cNvPr id="3" name="Content Placeholder 2"/>
+          <p:cNvSpPr>
+            <a:spLocks noGrp="1"/>
+          </p:cNvSpPr>
+          <p:nvPr>
+            <p:ph idx="1"/>
+          </p:nvPr>
+        </p:nvSpPr>
+        <p:spPr/>
+        <p:txBody>
+          <a:bodyPr/>
+          <a:lstStyle/>
+          <a:p>
+            <a:pPr marL="0" indent="0">
+              <a:buNone/>
+            </a:pPr>
+            <a:endParaRPr lang="en-US" dirty="0" smtClean="0"/>
+          </a:p>
+          <a:p>
+            <a:r>
+              <a:rPr lang="en-US" dirty="0" smtClean="0"/>
+              <a:t>311 Calls dataset</a:t>
+            </a:r>
+          </a:p>
+          <a:p>
+            <a:pPr lvl="1"/>
+            <a:r>
+              <a:rPr lang="en-US" dirty="0"/>
+              <a:t>Messy non-standard CSV</a:t>
+            </a:r>
+          </a:p>
+          <a:p>
+            <a:pPr lvl="1"/>
+            <a:r>
+              <a:rPr lang="en-US" dirty="0"/>
+              <a:t>Same as accident data, key = zip code with aggregations like total street related complaints, most  common </a:t>
+            </a:r>
+            <a:r>
+              <a:rPr lang="en-US" dirty="0" smtClean="0"/>
+              <a:t>complaints</a:t>
+            </a:r>
+          </a:p>
+          <a:p>
+            <a:pPr marL="342900" lvl="1" indent="-342900">
+              <a:spcBef>
+                <a:spcPts val="2000"/>
+              </a:spcBef>
+              <a:buClr>
+                <a:schemeClr val="accent1"/>
+              </a:buClr>
+            </a:pPr>
+            <a:r>
+              <a:rPr lang="en-US" dirty="0"/>
+              <a:t>86 complaint descriptor types for street related complaints (pothole, traffic signal </a:t>
+            </a:r>
+            <a:r>
+              <a:rPr lang="en-US" dirty="0" smtClean="0"/>
+              <a:t>light, etc.)</a:t>
+            </a:r>
+          </a:p>
+          <a:p>
+            <a:pPr lvl="1"/>
+            <a:endParaRPr lang="en-US" dirty="0"/>
+          </a:p>
+        </p:txBody>
+      </p:sp>
+    </p:spTree>
+    <p:extLst>
+      <p:ext uri="{BB962C8B-B14F-4D97-AF65-F5344CB8AC3E}">
+        <p14:creationId xmlns:p14="http://schemas.microsoft.com/office/powerpoint/2010/main" val="2357061894"/>
+      </p:ext>
+    </p:extLst>
+  </p:cSld>
+  <p:clrMapOvr>
+    <a:masterClrMapping/>
+  </p:clrMapOvr>
+</p:sld>
+</file>
+
+<file path=ppt/slides/slide13.xml><?xml version="1.0" encoding="utf-8"?>
+<p:sld xmlns:a="http://schemas.openxmlformats.org/drawingml/2006/main" xmlns:r="http://schemas.openxmlformats.org/officeDocument/2006/relationships" xmlns:p="http://schemas.openxmlformats.org/presentationml/2006/main">
+  <p:cSld>
+    <p:spTree>
+      <p:nvGrpSpPr>
+        <p:cNvPr id="1" name=""/>
+        <p:cNvGrpSpPr/>
+        <p:nvPr/>
+      </p:nvGrpSpPr>
+      <p:grpSpPr>
+        <a:xfrm>
+          <a:off x="0" y="0"/>
+          <a:ext cx="0" cy="0"/>
+          <a:chOff x="0" y="0"/>
+          <a:chExt cx="0" cy="0"/>
+        </a:xfrm>
+      </p:grpSpPr>
+      <p:sp>
+        <p:nvSpPr>
+          <p:cNvPr id="2" name="Title 1"/>
+          <p:cNvSpPr>
+            <a:spLocks noGrp="1"/>
+          </p:cNvSpPr>
+          <p:nvPr>
+            <p:ph type="title"/>
+          </p:nvPr>
+        </p:nvSpPr>
+        <p:spPr/>
+        <p:txBody>
+          <a:bodyPr/>
+          <a:lstStyle/>
+          <a:p>
+            <a:r>
+              <a:rPr lang="en-US" dirty="0" smtClean="0"/>
+              <a:t>Walkthrough</a:t>
+            </a:r>
+            <a:endParaRPr lang="en-US" dirty="0"/>
+          </a:p>
+        </p:txBody>
+      </p:sp>
+      <p:sp>
+        <p:nvSpPr>
+          <p:cNvPr id="3" name="Content Placeholder 2"/>
+          <p:cNvSpPr>
+            <a:spLocks noGrp="1"/>
+          </p:cNvSpPr>
+          <p:nvPr>
+            <p:ph idx="1"/>
+          </p:nvPr>
+        </p:nvSpPr>
+        <p:spPr/>
+        <p:txBody>
+          <a:bodyPr/>
+          <a:lstStyle/>
+          <a:p>
+            <a:r>
+              <a:rPr lang="en-US" dirty="0" smtClean="0"/>
+              <a:t>Traffic </a:t>
+            </a:r>
+            <a:r>
+              <a:rPr lang="en-US" dirty="0"/>
+              <a:t>V</a:t>
+            </a:r>
+            <a:r>
+              <a:rPr lang="en-US" dirty="0" smtClean="0"/>
+              <a:t>olume dataset</a:t>
+            </a:r>
+          </a:p>
+          <a:p>
+            <a:pPr lvl="1"/>
+            <a:r>
+              <a:rPr lang="en-US" dirty="0" smtClean="0"/>
+              <a:t>Problem: No zip code field</a:t>
+            </a:r>
+          </a:p>
+          <a:p>
+            <a:pPr lvl="1"/>
+            <a:r>
+              <a:rPr lang="en-US" dirty="0" smtClean="0"/>
+              <a:t>Roadway name, To, From are only indicators of location</a:t>
+            </a:r>
+          </a:p>
+          <a:p>
+            <a:pPr lvl="1"/>
+            <a:r>
+              <a:rPr lang="en-US" dirty="0"/>
+              <a:t>Segment ID which corresponds to shape data</a:t>
+            </a:r>
+          </a:p>
+          <a:p>
+            <a:pPr lvl="2"/>
+            <a:r>
+              <a:rPr lang="en-US" dirty="0"/>
+              <a:t>Bytes of Big Apple ArcGIS </a:t>
+            </a:r>
+            <a:r>
+              <a:rPr lang="en-US" dirty="0" err="1"/>
+              <a:t>geodatabase</a:t>
+            </a:r>
+            <a:endParaRPr lang="en-US" dirty="0"/>
+          </a:p>
+          <a:p>
+            <a:pPr lvl="2"/>
+            <a:r>
+              <a:rPr lang="en-US" dirty="0"/>
+              <a:t>.</a:t>
+            </a:r>
+            <a:r>
+              <a:rPr lang="en-US" dirty="0" err="1"/>
+              <a:t>lyr</a:t>
+            </a:r>
+            <a:r>
+              <a:rPr lang="en-US" dirty="0"/>
+              <a:t> files</a:t>
+            </a:r>
+          </a:p>
+          <a:p>
+            <a:pPr lvl="1"/>
+            <a:r>
+              <a:rPr lang="en-US" dirty="0" smtClean="0"/>
+              <a:t>Alternative: </a:t>
+            </a:r>
+            <a:r>
+              <a:rPr lang="en-US" dirty="0" err="1" smtClean="0"/>
+              <a:t>geopy</a:t>
+            </a:r>
+            <a:r>
+              <a:rPr lang="en-US" dirty="0" smtClean="0"/>
+              <a:t> geocoding package</a:t>
+            </a:r>
+          </a:p>
+          <a:p>
+            <a:pPr lvl="1"/>
+            <a:endParaRPr lang="en-US" dirty="0" smtClean="0"/>
+          </a:p>
+          <a:p>
+            <a:pPr marL="685800" lvl="2" indent="0">
+              <a:buNone/>
+            </a:pPr>
+            <a:endParaRPr lang="en-US" dirty="0" smtClean="0"/>
+          </a:p>
+        </p:txBody>
+      </p:sp>
+    </p:spTree>
+    <p:extLst>
+      <p:ext uri="{BB962C8B-B14F-4D97-AF65-F5344CB8AC3E}">
+        <p14:creationId xmlns:p14="http://schemas.microsoft.com/office/powerpoint/2010/main" val="630671849"/>
+      </p:ext>
+    </p:extLst>
+  </p:cSld>
+  <p:clrMapOvr>
+    <a:masterClrMapping/>
+  </p:clrMapOvr>
+</p:sld>
+</file>
+
+<file path=ppt/slides/slide14.xml><?xml version="1.0" encoding="utf-8"?>
+<p:sld xmlns:a="http://schemas.openxmlformats.org/drawingml/2006/main" xmlns:r="http://schemas.openxmlformats.org/officeDocument/2006/relationships" xmlns:p="http://schemas.openxmlformats.org/presentationml/2006/main">
+  <p:cSld>
+    <p:spTree>
+      <p:nvGrpSpPr>
+        <p:cNvPr id="1" name=""/>
+        <p:cNvGrpSpPr/>
+        <p:nvPr/>
+      </p:nvGrpSpPr>
+      <p:grpSpPr>
+        <a:xfrm>
+          <a:off x="0" y="0"/>
+          <a:ext cx="0" cy="0"/>
+          <a:chOff x="0" y="0"/>
+          <a:chExt cx="0" cy="0"/>
+        </a:xfrm>
+      </p:grpSpPr>
+      <p:sp>
+        <p:nvSpPr>
+          <p:cNvPr id="2" name="Title 1"/>
+          <p:cNvSpPr>
+            <a:spLocks noGrp="1"/>
+          </p:cNvSpPr>
+          <p:nvPr>
+            <p:ph type="title"/>
+          </p:nvPr>
+        </p:nvSpPr>
+        <p:spPr/>
+        <p:txBody>
+          <a:bodyPr/>
+          <a:lstStyle/>
+          <a:p>
+            <a:r>
+              <a:rPr lang="en-US" dirty="0" smtClean="0"/>
+              <a:t>Walkthrough</a:t>
+            </a:r>
+            <a:endParaRPr lang="en-US" dirty="0"/>
+          </a:p>
+        </p:txBody>
+      </p:sp>
+      <p:sp>
+        <p:nvSpPr>
+          <p:cNvPr id="3" name="Content Placeholder 2"/>
+          <p:cNvSpPr>
+            <a:spLocks noGrp="1"/>
+          </p:cNvSpPr>
+          <p:nvPr>
+            <p:ph idx="1"/>
+          </p:nvPr>
+        </p:nvSpPr>
+        <p:spPr/>
+        <p:txBody>
+          <a:bodyPr/>
+          <a:lstStyle/>
+          <a:p>
+            <a:r>
+              <a:rPr lang="en-US" dirty="0" smtClean="0"/>
+              <a:t>location = </a:t>
+            </a:r>
+            <a:r>
+              <a:rPr lang="en-US" dirty="0" err="1" smtClean="0"/>
+              <a:t>geolocator.geocode</a:t>
+            </a:r>
+            <a:r>
+              <a:rPr lang="en-US" dirty="0" smtClean="0"/>
+              <a:t>("175 5th Avenue NYC”)</a:t>
+            </a:r>
+          </a:p>
+          <a:p>
+            <a:pPr lvl="1"/>
+            <a:r>
+              <a:rPr lang="en-US" dirty="0"/>
+              <a:t>location object has </a:t>
+            </a:r>
+            <a:r>
+              <a:rPr lang="en-US" dirty="0" err="1" smtClean="0"/>
+              <a:t>zip_code</a:t>
+            </a:r>
+            <a:r>
+              <a:rPr lang="en-US" dirty="0" smtClean="0"/>
+              <a:t> </a:t>
+            </a:r>
+          </a:p>
+          <a:p>
+            <a:r>
+              <a:rPr lang="en-US" dirty="0" smtClean="0"/>
+              <a:t>Downsides: far less accurate than spatial join with </a:t>
+            </a:r>
+            <a:r>
+              <a:rPr lang="en-US" smtClean="0"/>
+              <a:t>shape file, </a:t>
+            </a:r>
+            <a:endParaRPr lang="en-US" dirty="0" smtClean="0"/>
+          </a:p>
+        </p:txBody>
+      </p:sp>
+    </p:spTree>
+    <p:extLst>
+      <p:ext uri="{BB962C8B-B14F-4D97-AF65-F5344CB8AC3E}">
+        <p14:creationId xmlns:p14="http://schemas.microsoft.com/office/powerpoint/2010/main" val="917402665"/>
+      </p:ext>
+    </p:extLst>
+  </p:cSld>
+  <p:clrMapOvr>
+    <a:masterClrMapping/>
+  </p:clrMapOvr>
+</p:sld>
+</file>
+
+<file path=ppt/slides/slide15.xml><?xml version="1.0" encoding="utf-8"?>
+<p:sld xmlns:a="http://schemas.openxmlformats.org/drawingml/2006/main" xmlns:r="http://schemas.openxmlformats.org/officeDocument/2006/relationships" xmlns:p="http://schemas.openxmlformats.org/presentationml/2006/main">
+  <p:cSld>
+    <p:spTree>
+      <p:nvGrpSpPr>
+        <p:cNvPr id="1" name=""/>
+        <p:cNvGrpSpPr/>
+        <p:nvPr/>
+      </p:nvGrpSpPr>
+      <p:grpSpPr>
+        <a:xfrm>
+          <a:off x="0" y="0"/>
+          <a:ext cx="0" cy="0"/>
+          <a:chOff x="0" y="0"/>
+          <a:chExt cx="0" cy="0"/>
+        </a:xfrm>
+      </p:grpSpPr>
+      <p:sp>
+        <p:nvSpPr>
+          <p:cNvPr id="2" name="Title 1"/>
+          <p:cNvSpPr>
+            <a:spLocks noGrp="1"/>
+          </p:cNvSpPr>
+          <p:nvPr>
+            <p:ph type="title"/>
+          </p:nvPr>
+        </p:nvSpPr>
+        <p:spPr/>
+        <p:txBody>
+          <a:bodyPr/>
+          <a:lstStyle/>
+          <a:p>
+            <a:r>
               <a:rPr lang="en-US" dirty="0" smtClean="0"/>
               <a:t>Project Deliverables</a:t>
             </a:r>
@@ -5179,7 +5772,7 @@
 </p:sld>
 </file>
 
-<file path=ppt/slides/slide11.xml><?xml version="1.0" encoding="utf-8"?>
+<file path=ppt/slides/slide16.xml><?xml version="1.0" encoding="utf-8"?>
 <p:sld xmlns:a="http://schemas.openxmlformats.org/drawingml/2006/main" xmlns:r="http://schemas.openxmlformats.org/officeDocument/2006/relationships" xmlns:p="http://schemas.openxmlformats.org/presentationml/2006/main">
   <p:cSld>
     <p:spTree>
@@ -7046,78 +7639,6 @@
           <a:p>
             <a:r>
               <a:rPr lang="en-US" dirty="0" smtClean="0"/>
-              <a:t>Methodology</a:t>
-            </a:r>
-            <a:endParaRPr lang="en-US" dirty="0"/>
-          </a:p>
-        </p:txBody>
-      </p:sp>
-      <p:sp>
-        <p:nvSpPr>
-          <p:cNvPr id="3" name="Content Placeholder 2"/>
-          <p:cNvSpPr>
-            <a:spLocks noGrp="1"/>
-          </p:cNvSpPr>
-          <p:nvPr>
-            <p:ph idx="1"/>
-          </p:nvPr>
-        </p:nvSpPr>
-        <p:spPr/>
-        <p:txBody>
-          <a:bodyPr/>
-          <a:lstStyle/>
-          <a:p>
-            <a:endParaRPr lang="en-US" dirty="0"/>
-          </a:p>
-        </p:txBody>
-      </p:sp>
-    </p:spTree>
-    <p:extLst>
-      <p:ext uri="{BB962C8B-B14F-4D97-AF65-F5344CB8AC3E}">
-        <p14:creationId xmlns:p14="http://schemas.microsoft.com/office/powerpoint/2010/main" val="3861213220"/>
-      </p:ext>
-    </p:extLst>
-  </p:cSld>
-  <p:clrMapOvr>
-    <a:masterClrMapping/>
-  </p:clrMapOvr>
-</p:sld>
-</file>
-
-<file path=ppt/slides/slide7.xml><?xml version="1.0" encoding="utf-8"?>
-<p:sld xmlns:a="http://schemas.openxmlformats.org/drawingml/2006/main" xmlns:r="http://schemas.openxmlformats.org/officeDocument/2006/relationships" xmlns:p="http://schemas.openxmlformats.org/presentationml/2006/main">
-  <p:cSld>
-    <p:spTree>
-      <p:nvGrpSpPr>
-        <p:cNvPr id="1" name=""/>
-        <p:cNvGrpSpPr/>
-        <p:nvPr/>
-      </p:nvGrpSpPr>
-      <p:grpSpPr>
-        <a:xfrm>
-          <a:off x="0" y="0"/>
-          <a:ext cx="0" cy="0"/>
-          <a:chOff x="0" y="0"/>
-          <a:chExt cx="0" cy="0"/>
-        </a:xfrm>
-      </p:grpSpPr>
-      <p:sp>
-        <p:nvSpPr>
-          <p:cNvPr id="2" name="Title 1"/>
-          <p:cNvSpPr>
-            <a:spLocks noGrp="1"/>
-          </p:cNvSpPr>
-          <p:nvPr>
-            <p:ph type="title"/>
-          </p:nvPr>
-        </p:nvSpPr>
-        <p:spPr/>
-        <p:txBody>
-          <a:bodyPr/>
-          <a:lstStyle/>
-          <a:p>
-            <a:r>
-              <a:rPr lang="en-US" dirty="0" smtClean="0"/>
               <a:t>Big Data Challenges</a:t>
             </a:r>
             <a:endParaRPr lang="en-US" dirty="0"/>
@@ -7219,6 +7740,127 @@
 </p:sld>
 </file>
 
+<file path=ppt/slides/slide7.xml><?xml version="1.0" encoding="utf-8"?>
+<p:sld xmlns:a="http://schemas.openxmlformats.org/drawingml/2006/main" xmlns:r="http://schemas.openxmlformats.org/officeDocument/2006/relationships" xmlns:p="http://schemas.openxmlformats.org/presentationml/2006/main">
+  <p:cSld>
+    <p:spTree>
+      <p:nvGrpSpPr>
+        <p:cNvPr id="1" name=""/>
+        <p:cNvGrpSpPr/>
+        <p:nvPr/>
+      </p:nvGrpSpPr>
+      <p:grpSpPr>
+        <a:xfrm>
+          <a:off x="0" y="0"/>
+          <a:ext cx="0" cy="0"/>
+          <a:chOff x="0" y="0"/>
+          <a:chExt cx="0" cy="0"/>
+        </a:xfrm>
+      </p:grpSpPr>
+      <p:sp>
+        <p:nvSpPr>
+          <p:cNvPr id="2" name="Title 1"/>
+          <p:cNvSpPr>
+            <a:spLocks noGrp="1"/>
+          </p:cNvSpPr>
+          <p:nvPr>
+            <p:ph type="title"/>
+          </p:nvPr>
+        </p:nvSpPr>
+        <p:spPr/>
+        <p:txBody>
+          <a:bodyPr/>
+          <a:lstStyle/>
+          <a:p>
+            <a:r>
+              <a:rPr lang="en-US" dirty="0" smtClean="0"/>
+              <a:t>Big Data Challenges</a:t>
+            </a:r>
+            <a:endParaRPr lang="en-US" dirty="0"/>
+          </a:p>
+        </p:txBody>
+      </p:sp>
+      <p:sp>
+        <p:nvSpPr>
+          <p:cNvPr id="3" name="Content Placeholder 2"/>
+          <p:cNvSpPr>
+            <a:spLocks noGrp="1"/>
+          </p:cNvSpPr>
+          <p:nvPr>
+            <p:ph idx="1"/>
+          </p:nvPr>
+        </p:nvSpPr>
+        <p:spPr/>
+        <p:txBody>
+          <a:bodyPr/>
+          <a:lstStyle/>
+          <a:p>
+            <a:r>
+              <a:rPr lang="en-US" dirty="0" smtClean="0"/>
+              <a:t>311 dataset </a:t>
+            </a:r>
+          </a:p>
+          <a:p>
+            <a:pPr lvl="1"/>
+            <a:r>
+              <a:rPr lang="en-US" dirty="0" smtClean="0"/>
+              <a:t>86 complaint descriptor types for street related complaints </a:t>
+            </a:r>
+            <a:r>
+              <a:rPr lang="en-US" dirty="0"/>
+              <a:t>(pothole, </a:t>
+            </a:r>
+            <a:r>
+              <a:rPr lang="en-US" dirty="0" smtClean="0"/>
+              <a:t>traffic signal light, </a:t>
+            </a:r>
+            <a:r>
+              <a:rPr lang="en-US" dirty="0" err="1" smtClean="0"/>
+              <a:t>etc</a:t>
+            </a:r>
+            <a:r>
+              <a:rPr lang="en-US" dirty="0" smtClean="0"/>
+              <a:t>)</a:t>
+            </a:r>
+          </a:p>
+          <a:p>
+            <a:r>
+              <a:rPr lang="en-US" dirty="0" smtClean="0"/>
+              <a:t>NYPD Motor Vehicle accident dataset</a:t>
+            </a:r>
+          </a:p>
+          <a:p>
+            <a:pPr lvl="1"/>
+            <a:r>
+              <a:rPr lang="en-US" dirty="0" smtClean="0"/>
+              <a:t>  47 unique accident factors (unsafe speed, fell asleep)</a:t>
+            </a:r>
+          </a:p>
+          <a:p>
+            <a:pPr lvl="1"/>
+            <a:r>
+              <a:rPr lang="en-US" dirty="0" smtClean="0"/>
+              <a:t>17 unique vehicle type classifiers (bus, bicycle)</a:t>
+            </a:r>
+          </a:p>
+          <a:p>
+            <a:endParaRPr lang="en-US" dirty="0"/>
+          </a:p>
+        </p:txBody>
+      </p:sp>
+    </p:spTree>
+    <p:extLst>
+      <p:ext uri="{BB962C8B-B14F-4D97-AF65-F5344CB8AC3E}">
+        <p14:creationId xmlns:p14="http://schemas.microsoft.com/office/powerpoint/2010/main" val="3902492831"/>
+      </p:ext>
+    </p:extLst>
+  </p:cSld>
+  <p:clrMapOvr>
+    <a:masterClrMapping/>
+  </p:clrMapOvr>
+</p:sld>
+</file>
+
 <file path=ppt/slides/slide8.xml><?xml version="1.0" encoding="utf-8"?>
 <p:sld xmlns:a="http://schemas.openxmlformats.org/drawingml/2006/main" xmlns:r="http://schemas.openxmlformats.org/officeDocument/2006/relationships" xmlns:p="http://schemas.openxmlformats.org/presentationml/2006/main">
   <p:cSld>
@@ -7259,78 +7901,40 @@
           </a:p>
         </p:txBody>
       </p:sp>
-      <p:sp>
-        <p:nvSpPr>
-          <p:cNvPr id="3" name="Content Placeholder 2"/>
-          <p:cNvSpPr>
-            <a:spLocks noGrp="1"/>
-          </p:cNvSpPr>
+      <p:pic>
+        <p:nvPicPr>
+          <p:cNvPr id="21" name="Content Placeholder 20" descr="Screen Shot 2016-05-16 at 5.14.42 AM.png"/>
+          <p:cNvPicPr>
+            <a:picLocks noGrp="1" noChangeAspect="1"/>
+          </p:cNvPicPr>
           <p:nvPr>
             <p:ph idx="1"/>
           </p:nvPr>
-        </p:nvSpPr>
-        <p:spPr/>
-        <p:txBody>
-          <a:bodyPr/>
-          <a:lstStyle/>
-          <a:p>
-            <a:r>
-              <a:rPr lang="en-US" dirty="0" smtClean="0"/>
-              <a:t>311 dataset </a:t>
-            </a:r>
-          </a:p>
-          <a:p>
-            <a:pPr lvl="1"/>
-            <a:r>
-              <a:rPr lang="en-US" dirty="0" smtClean="0"/>
-              <a:t>86 complaint descriptor types for street related complaints </a:t>
-            </a:r>
-            <a:r>
-              <a:rPr lang="en-US" dirty="0"/>
-              <a:t>(pothole, </a:t>
-            </a:r>
-            <a:r>
-              <a:rPr lang="en-US" dirty="0" smtClean="0"/>
-              <a:t>traffic signal light, </a:t>
-            </a:r>
-            <a:r>
-              <a:rPr lang="en-US" dirty="0" err="1" smtClean="0"/>
-              <a:t>etc</a:t>
-            </a:r>
-            <a:r>
-              <a:rPr lang="en-US" dirty="0" smtClean="0"/>
-              <a:t>)</a:t>
-            </a:r>
-          </a:p>
-          <a:p>
-            <a:r>
-              <a:rPr lang="en-US" dirty="0" smtClean="0"/>
-              <a:t>NYPD Motor Vehicle accident dataset</a:t>
-            </a:r>
-          </a:p>
-          <a:p>
-            <a:pPr lvl="1"/>
-            <a:r>
-              <a:rPr lang="en-US" dirty="0" smtClean="0"/>
-              <a:t>  47 unique accident factors (unsafe speed, fell asleep)</a:t>
-            </a:r>
-          </a:p>
-          <a:p>
-            <a:pPr lvl="1"/>
-            <a:r>
-              <a:rPr lang="en-US" dirty="0" smtClean="0"/>
-              <a:t>17 unique vehicle type classifiers (bus, bicycle)</a:t>
-            </a:r>
-          </a:p>
-          <a:p>
-            <a:endParaRPr lang="en-US" dirty="0"/>
-          </a:p>
-        </p:txBody>
-      </p:sp>
+        </p:nvPicPr>
+        <p:blipFill>
+          <a:blip r:embed="rId2">
+            <a:extLst>
+              <a:ext uri="{28A0092B-C50C-407E-A947-70E740481C1C}">
+                <a14:useLocalDpi xmlns:a14="http://schemas.microsoft.com/office/drawing/2010/main" val="0"/>
+              </a:ext>
+            </a:extLst>
+          </a:blip>
+          <a:srcRect t="11220" b="11220"/>
+          <a:stretch>
+            <a:fillRect/>
+          </a:stretch>
+        </p:blipFill>
+        <p:spPr>
+          <a:xfrm>
+            <a:off x="552882" y="2038256"/>
+            <a:ext cx="8172018" cy="3941616"/>
+          </a:xfrm>
+        </p:spPr>
+      </p:pic>
     </p:spTree>
     <p:extLst>
       <p:ext uri="{BB962C8B-B14F-4D97-AF65-F5344CB8AC3E}">
-        <p14:creationId xmlns:p14="http://schemas.microsoft.com/office/powerpoint/2010/main" val="3902492831"/>
+        <p14:creationId xmlns:p14="http://schemas.microsoft.com/office/powerpoint/2010/main" val="2865855638"/>
       </p:ext>
     </p:extLst>
   </p:cSld>
@@ -7374,7 +7978,7 @@
           <a:p>
             <a:r>
               <a:rPr lang="en-US" dirty="0" smtClean="0"/>
-              <a:t>Big Data Challenges</a:t>
+              <a:t>:’(</a:t>
             </a:r>
             <a:endParaRPr lang="en-US" dirty="0"/>
           </a:p>
@@ -7382,7 +7986,7 @@
       </p:sp>
       <p:pic>
         <p:nvPicPr>
-          <p:cNvPr id="11" name="Content Placeholder 10" descr="Screen Shot 2016-05-16 at 2.45.05 AM.png"/>
+          <p:cNvPr id="8" name="Content Placeholder 7" descr="Screen Shot 2016-05-16 at 5.47.11 AM.png"/>
           <p:cNvPicPr>
             <a:picLocks noGrp="1" noChangeAspect="1"/>
           </p:cNvPicPr>
@@ -7398,22 +8002,22 @@
               </a:ext>
             </a:extLst>
           </a:blip>
-          <a:srcRect l="11809" r="11809"/>
+          <a:srcRect l="1563" r="1563"/>
           <a:stretch>
             <a:fillRect/>
           </a:stretch>
         </p:blipFill>
         <p:spPr>
           <a:xfrm>
-            <a:off x="1309593" y="2595562"/>
-            <a:ext cx="7415307" cy="3670767"/>
+            <a:off x="281046" y="2211898"/>
+            <a:ext cx="8333161" cy="4019340"/>
           </a:xfrm>
         </p:spPr>
       </p:pic>
     </p:spTree>
     <p:extLst>
       <p:ext uri="{BB962C8B-B14F-4D97-AF65-F5344CB8AC3E}">
-        <p14:creationId xmlns:p14="http://schemas.microsoft.com/office/powerpoint/2010/main" val="2865855638"/>
+        <p14:creationId xmlns:p14="http://schemas.microsoft.com/office/powerpoint/2010/main" val="499470436"/>
       </p:ext>
     </p:extLst>
   </p:cSld>

--- a/Documents/Kasakyan_James_Proposal_Final_Presentation.pptx
+++ b/Documents/Kasakyan_James_Proposal_Final_Presentation.pptx
@@ -19,8 +19,11 @@
     <p:sldId id="269" r:id="rId13"/>
     <p:sldId id="270" r:id="rId14"/>
     <p:sldId id="273" r:id="rId15"/>
-    <p:sldId id="262" r:id="rId16"/>
-    <p:sldId id="263" r:id="rId17"/>
+    <p:sldId id="274" r:id="rId16"/>
+    <p:sldId id="275" r:id="rId17"/>
+    <p:sldId id="276" r:id="rId18"/>
+    <p:sldId id="262" r:id="rId19"/>
+    <p:sldId id="263" r:id="rId20"/>
   </p:sldIdLst>
   <p:sldSz cx="9144000" cy="6858000" type="screen4x3"/>
   <p:notesSz cx="6858000" cy="9144000"/>
@@ -5593,7 +5596,9 @@
         </p:nvSpPr>
         <p:spPr/>
         <p:txBody>
-          <a:bodyPr/>
+          <a:bodyPr>
+            <a:normAutofit/>
+          </a:bodyPr>
           <a:lstStyle/>
           <a:p>
             <a:r>
@@ -5627,11 +5632,68 @@
           <a:p>
             <a:r>
               <a:rPr lang="en-US" dirty="0" smtClean="0"/>
-              <a:t>Downsides: far less accurate than spatial join with </a:t>
-            </a:r>
-            <a:r>
-              <a:rPr lang="en-US" smtClean="0"/>
-              <a:t>shape file, </a:t>
+              <a:t>Downsides: far less accurate than spatial join with shape file</a:t>
+            </a:r>
+          </a:p>
+          <a:p>
+            <a:pPr lvl="1"/>
+            <a:r>
+              <a:rPr lang="en-US" dirty="0" smtClean="0"/>
+              <a:t>Roadway name, To, and From don</a:t>
+            </a:r>
+            <a:r>
+              <a:rPr lang="uk-UA" dirty="0" smtClean="0"/>
+              <a:t>’</a:t>
+            </a:r>
+            <a:r>
+              <a:rPr lang="en-US" dirty="0" smtClean="0"/>
+              <a:t>t give a standard address like the example above</a:t>
+            </a:r>
+          </a:p>
+          <a:p>
+            <a:pPr lvl="2"/>
+            <a:r>
+              <a:rPr lang="en-US" dirty="0" smtClean="0"/>
+              <a:t>Roadway name: Ave U</a:t>
+            </a:r>
+          </a:p>
+          <a:p>
+            <a:pPr lvl="2"/>
+            <a:r>
+              <a:rPr lang="en-US" dirty="0" smtClean="0"/>
+              <a:t>From: W 10</a:t>
+            </a:r>
+            <a:r>
+              <a:rPr lang="en-US" baseline="30000" dirty="0" smtClean="0"/>
+              <a:t>th</a:t>
+            </a:r>
+            <a:r>
+              <a:rPr lang="en-US" dirty="0" smtClean="0"/>
+              <a:t> ST</a:t>
+            </a:r>
+          </a:p>
+          <a:p>
+            <a:pPr lvl="2"/>
+            <a:r>
+              <a:rPr lang="en-US" dirty="0" smtClean="0"/>
+              <a:t>To: W 11</a:t>
+            </a:r>
+            <a:r>
+              <a:rPr lang="en-US" baseline="30000" dirty="0" smtClean="0"/>
+              <a:t>th</a:t>
+            </a:r>
+            <a:r>
+              <a:rPr lang="en-US" dirty="0" smtClean="0"/>
+              <a:t> ST</a:t>
+            </a:r>
+          </a:p>
+          <a:p>
+            <a:pPr marL="349250" lvl="1" indent="0">
+              <a:buNone/>
+            </a:pPr>
+            <a:r>
+              <a:rPr lang="en-US" dirty="0"/>
+              <a:t>	</a:t>
             </a:r>
             <a:endParaRPr lang="en-US" dirty="0" smtClean="0"/>
           </a:p>
@@ -5651,6 +5713,363 @@
 </file>
 
 <file path=ppt/slides/slide15.xml><?xml version="1.0" encoding="utf-8"?>
+<p:sld xmlns:a="http://schemas.openxmlformats.org/drawingml/2006/main" xmlns:r="http://schemas.openxmlformats.org/officeDocument/2006/relationships" xmlns:p="http://schemas.openxmlformats.org/presentationml/2006/main">
+  <p:cSld>
+    <p:spTree>
+      <p:nvGrpSpPr>
+        <p:cNvPr id="1" name=""/>
+        <p:cNvGrpSpPr/>
+        <p:nvPr/>
+      </p:nvGrpSpPr>
+      <p:grpSpPr>
+        <a:xfrm>
+          <a:off x="0" y="0"/>
+          <a:ext cx="0" cy="0"/>
+          <a:chOff x="0" y="0"/>
+          <a:chExt cx="0" cy="0"/>
+        </a:xfrm>
+      </p:grpSpPr>
+      <p:sp>
+        <p:nvSpPr>
+          <p:cNvPr id="2" name="Title 1"/>
+          <p:cNvSpPr>
+            <a:spLocks noGrp="1"/>
+          </p:cNvSpPr>
+          <p:nvPr>
+            <p:ph type="title"/>
+          </p:nvPr>
+        </p:nvSpPr>
+        <p:spPr/>
+        <p:txBody>
+          <a:bodyPr/>
+          <a:lstStyle/>
+          <a:p>
+            <a:r>
+              <a:rPr lang="en-US" dirty="0" smtClean="0"/>
+              <a:t>Walkthrough</a:t>
+            </a:r>
+            <a:endParaRPr lang="en-US" dirty="0"/>
+          </a:p>
+        </p:txBody>
+      </p:sp>
+      <p:sp>
+        <p:nvSpPr>
+          <p:cNvPr id="3" name="Content Placeholder 2"/>
+          <p:cNvSpPr>
+            <a:spLocks noGrp="1"/>
+          </p:cNvSpPr>
+          <p:nvPr>
+            <p:ph idx="1"/>
+          </p:nvPr>
+        </p:nvSpPr>
+        <p:spPr/>
+        <p:txBody>
+          <a:bodyPr/>
+          <a:lstStyle/>
+          <a:p>
+            <a:r>
+              <a:rPr lang="en-US" dirty="0" smtClean="0"/>
+              <a:t>Solution</a:t>
+            </a:r>
+          </a:p>
+          <a:p>
+            <a:pPr lvl="1"/>
+            <a:r>
+              <a:rPr lang="en-US" dirty="0" smtClean="0"/>
+              <a:t>Test all three fields</a:t>
+            </a:r>
+          </a:p>
+          <a:p>
+            <a:pPr lvl="2"/>
+            <a:r>
+              <a:rPr lang="en-US" dirty="0" smtClean="0"/>
+              <a:t>All equal zip: assign volume count to this zip</a:t>
+            </a:r>
+          </a:p>
+          <a:p>
+            <a:pPr lvl="2"/>
+            <a:r>
+              <a:rPr lang="en-US" dirty="0" smtClean="0"/>
+              <a:t>Two equal: assign half volume count to each</a:t>
+            </a:r>
+          </a:p>
+          <a:p>
+            <a:pPr lvl="2"/>
+            <a:r>
+              <a:rPr lang="en-US" dirty="0" smtClean="0"/>
+              <a:t>All three differ: assign one third count to each</a:t>
+            </a:r>
+          </a:p>
+          <a:p>
+            <a:pPr lvl="3"/>
+            <a:r>
+              <a:rPr lang="en-US" dirty="0" smtClean="0"/>
+              <a:t>Hindsight: skip these records </a:t>
+            </a:r>
+          </a:p>
+          <a:p>
+            <a:pPr lvl="1"/>
+            <a:r>
+              <a:rPr lang="en-US" dirty="0" smtClean="0"/>
+              <a:t>New Problem</a:t>
+            </a:r>
+          </a:p>
+          <a:p>
+            <a:pPr lvl="2"/>
+            <a:r>
+              <a:rPr lang="en-US" dirty="0" smtClean="0"/>
+              <a:t>Queries </a:t>
+            </a:r>
+            <a:r>
+              <a:rPr lang="en-US" dirty="0" err="1" smtClean="0"/>
+              <a:t>Nominatim</a:t>
+            </a:r>
+            <a:r>
+              <a:rPr lang="en-US" dirty="0"/>
+              <a:t> </a:t>
+            </a:r>
+            <a:r>
+              <a:rPr lang="en-US" dirty="0" smtClean="0"/>
+              <a:t>database over HTTP</a:t>
+            </a:r>
+            <a:endParaRPr lang="en-US" dirty="0"/>
+          </a:p>
+        </p:txBody>
+      </p:sp>
+    </p:spTree>
+    <p:extLst>
+      <p:ext uri="{BB962C8B-B14F-4D97-AF65-F5344CB8AC3E}">
+        <p14:creationId xmlns:p14="http://schemas.microsoft.com/office/powerpoint/2010/main" val="3634774551"/>
+      </p:ext>
+    </p:extLst>
+  </p:cSld>
+  <p:clrMapOvr>
+    <a:masterClrMapping/>
+  </p:clrMapOvr>
+  <p:timing>
+    <p:tnLst>
+      <p:par>
+        <p:cTn xmlns:p14="http://schemas.microsoft.com/office/powerpoint/2010/main" id="1" dur="indefinite" restart="never" nodeType="tmRoot"/>
+      </p:par>
+    </p:tnLst>
+  </p:timing>
+</p:sld>
+</file>
+
+<file path=ppt/slides/slide16.xml><?xml version="1.0" encoding="utf-8"?>
+<p:sld xmlns:a="http://schemas.openxmlformats.org/drawingml/2006/main" xmlns:r="http://schemas.openxmlformats.org/officeDocument/2006/relationships" xmlns:p="http://schemas.openxmlformats.org/presentationml/2006/main">
+  <p:cSld>
+    <p:spTree>
+      <p:nvGrpSpPr>
+        <p:cNvPr id="1" name=""/>
+        <p:cNvGrpSpPr/>
+        <p:nvPr/>
+      </p:nvGrpSpPr>
+      <p:grpSpPr>
+        <a:xfrm>
+          <a:off x="0" y="0"/>
+          <a:ext cx="0" cy="0"/>
+          <a:chOff x="0" y="0"/>
+          <a:chExt cx="0" cy="0"/>
+        </a:xfrm>
+      </p:grpSpPr>
+      <p:sp>
+        <p:nvSpPr>
+          <p:cNvPr id="2" name="Title 1"/>
+          <p:cNvSpPr>
+            <a:spLocks noGrp="1"/>
+          </p:cNvSpPr>
+          <p:nvPr>
+            <p:ph type="title"/>
+          </p:nvPr>
+        </p:nvSpPr>
+        <p:spPr/>
+        <p:txBody>
+          <a:bodyPr/>
+          <a:lstStyle/>
+          <a:p>
+            <a:r>
+              <a:rPr lang="en-US" dirty="0" smtClean="0"/>
+              <a:t>Walkthrough</a:t>
+            </a:r>
+            <a:endParaRPr lang="en-US" dirty="0"/>
+          </a:p>
+        </p:txBody>
+      </p:sp>
+      <p:pic>
+        <p:nvPicPr>
+          <p:cNvPr id="6" name="Content Placeholder 5" descr="Screen Shot 2016-05-16 at 6.11.51 AM.png"/>
+          <p:cNvPicPr>
+            <a:picLocks noGrp="1" noChangeAspect="1"/>
+          </p:cNvPicPr>
+          <p:nvPr>
+            <p:ph idx="1"/>
+          </p:nvPr>
+        </p:nvPicPr>
+        <p:blipFill>
+          <a:blip r:embed="rId2">
+            <a:extLst>
+              <a:ext uri="{28A0092B-C50C-407E-A947-70E740481C1C}">
+                <a14:useLocalDpi xmlns:a14="http://schemas.microsoft.com/office/drawing/2010/main" val="0"/>
+              </a:ext>
+            </a:extLst>
+          </a:blip>
+          <a:srcRect t="8965" b="8965"/>
+          <a:stretch>
+            <a:fillRect/>
+          </a:stretch>
+        </p:blipFill>
+        <p:spPr>
+          <a:xfrm>
+            <a:off x="-260894" y="2147422"/>
+            <a:ext cx="9230120" cy="4543630"/>
+          </a:xfrm>
+        </p:spPr>
+      </p:pic>
+    </p:spTree>
+    <p:extLst>
+      <p:ext uri="{BB962C8B-B14F-4D97-AF65-F5344CB8AC3E}">
+        <p14:creationId xmlns:p14="http://schemas.microsoft.com/office/powerpoint/2010/main" val="3993542869"/>
+      </p:ext>
+    </p:extLst>
+  </p:cSld>
+  <p:clrMapOvr>
+    <a:masterClrMapping/>
+  </p:clrMapOvr>
+  <p:timing>
+    <p:tnLst>
+      <p:par>
+        <p:cTn xmlns:p14="http://schemas.microsoft.com/office/powerpoint/2010/main" id="1" dur="indefinite" restart="never" nodeType="tmRoot"/>
+      </p:par>
+    </p:tnLst>
+  </p:timing>
+</p:sld>
+</file>
+
+<file path=ppt/slides/slide17.xml><?xml version="1.0" encoding="utf-8"?>
+<p:sld xmlns:a="http://schemas.openxmlformats.org/drawingml/2006/main" xmlns:r="http://schemas.openxmlformats.org/officeDocument/2006/relationships" xmlns:p="http://schemas.openxmlformats.org/presentationml/2006/main">
+  <p:cSld>
+    <p:spTree>
+      <p:nvGrpSpPr>
+        <p:cNvPr id="1" name=""/>
+        <p:cNvGrpSpPr/>
+        <p:nvPr/>
+      </p:nvGrpSpPr>
+      <p:grpSpPr>
+        <a:xfrm>
+          <a:off x="0" y="0"/>
+          <a:ext cx="0" cy="0"/>
+          <a:chOff x="0" y="0"/>
+          <a:chExt cx="0" cy="0"/>
+        </a:xfrm>
+      </p:grpSpPr>
+      <p:sp>
+        <p:nvSpPr>
+          <p:cNvPr id="2" name="Title 1"/>
+          <p:cNvSpPr>
+            <a:spLocks noGrp="1"/>
+          </p:cNvSpPr>
+          <p:nvPr>
+            <p:ph type="title"/>
+          </p:nvPr>
+        </p:nvSpPr>
+        <p:spPr/>
+        <p:txBody>
+          <a:bodyPr/>
+          <a:lstStyle/>
+          <a:p>
+            <a:r>
+              <a:rPr lang="en-US" dirty="0" smtClean="0"/>
+              <a:t>Walkthrough</a:t>
+            </a:r>
+            <a:endParaRPr lang="en-US" dirty="0"/>
+          </a:p>
+        </p:txBody>
+      </p:sp>
+      <p:sp>
+        <p:nvSpPr>
+          <p:cNvPr id="3" name="Content Placeholder 2"/>
+          <p:cNvSpPr>
+            <a:spLocks noGrp="1"/>
+          </p:cNvSpPr>
+          <p:nvPr>
+            <p:ph idx="1"/>
+          </p:nvPr>
+        </p:nvSpPr>
+        <p:spPr/>
+        <p:txBody>
+          <a:bodyPr/>
+          <a:lstStyle/>
+          <a:p>
+            <a:r>
+              <a:rPr lang="en-US" dirty="0" smtClean="0"/>
+              <a:t>Solution: </a:t>
+            </a:r>
+          </a:p>
+          <a:p>
+            <a:pPr lvl="1"/>
+            <a:r>
+              <a:rPr lang="en-US" dirty="0"/>
+              <a:t>Gather results locally and save as </a:t>
+            </a:r>
+            <a:r>
+              <a:rPr lang="en-US" dirty="0" smtClean="0"/>
+              <a:t>CSV</a:t>
+            </a:r>
+          </a:p>
+          <a:p>
+            <a:r>
+              <a:rPr lang="en-US" dirty="0" smtClean="0"/>
+              <a:t>New Problem:</a:t>
+            </a:r>
+          </a:p>
+          <a:p>
+            <a:pPr lvl="1"/>
+            <a:r>
+              <a:rPr lang="en-US" dirty="0" smtClean="0"/>
+              <a:t>429 too many requests</a:t>
+            </a:r>
+          </a:p>
+          <a:p>
+            <a:r>
+              <a:rPr lang="en-US" dirty="0" smtClean="0"/>
+              <a:t>Solution:</a:t>
+            </a:r>
+          </a:p>
+          <a:p>
+            <a:pPr lvl="1"/>
+            <a:r>
+              <a:rPr lang="en-US" dirty="0" smtClean="0"/>
+              <a:t>Wait one hour and </a:t>
+            </a:r>
+            <a:r>
+              <a:rPr lang="en-US" smtClean="0"/>
+              <a:t>try again</a:t>
+            </a:r>
+            <a:endParaRPr lang="en-US" dirty="0" smtClean="0"/>
+          </a:p>
+          <a:p>
+            <a:pPr marL="349250" lvl="1" indent="0">
+              <a:buNone/>
+            </a:pPr>
+            <a:endParaRPr lang="en-US" dirty="0"/>
+          </a:p>
+        </p:txBody>
+      </p:sp>
+    </p:spTree>
+    <p:extLst>
+      <p:ext uri="{BB962C8B-B14F-4D97-AF65-F5344CB8AC3E}">
+        <p14:creationId xmlns:p14="http://schemas.microsoft.com/office/powerpoint/2010/main" val="24908830"/>
+      </p:ext>
+    </p:extLst>
+  </p:cSld>
+  <p:clrMapOvr>
+    <a:masterClrMapping/>
+  </p:clrMapOvr>
+</p:sld>
+</file>
+
+<file path=ppt/slides/slide18.xml><?xml version="1.0" encoding="utf-8"?>
 <p:sld xmlns:a="http://schemas.openxmlformats.org/drawingml/2006/main" xmlns:r="http://schemas.openxmlformats.org/officeDocument/2006/relationships" xmlns:p="http://schemas.openxmlformats.org/presentationml/2006/main">
   <p:cSld>
     <p:spTree>
@@ -5772,7 +6191,7 @@
 </p:sld>
 </file>
 
-<file path=ppt/slides/slide16.xml><?xml version="1.0" encoding="utf-8"?>
+<file path=ppt/slides/slide19.xml><?xml version="1.0" encoding="utf-8"?>
 <p:sld xmlns:a="http://schemas.openxmlformats.org/drawingml/2006/main" xmlns:r="http://schemas.openxmlformats.org/officeDocument/2006/relationships" xmlns:p="http://schemas.openxmlformats.org/presentationml/2006/main">
   <p:cSld>
     <p:spTree>

--- a/Documents/Kasakyan_James_Proposal_Final_Presentation.pptx
+++ b/Documents/Kasakyan_James_Proposal_Final_Presentation.pptx
@@ -22,8 +22,15 @@
     <p:sldId id="274" r:id="rId16"/>
     <p:sldId id="275" r:id="rId17"/>
     <p:sldId id="276" r:id="rId18"/>
-    <p:sldId id="262" r:id="rId19"/>
-    <p:sldId id="263" r:id="rId20"/>
+    <p:sldId id="277" r:id="rId19"/>
+    <p:sldId id="278" r:id="rId20"/>
+    <p:sldId id="279" r:id="rId21"/>
+    <p:sldId id="280" r:id="rId22"/>
+    <p:sldId id="281" r:id="rId23"/>
+    <p:sldId id="282" r:id="rId24"/>
+    <p:sldId id="283" r:id="rId25"/>
+    <p:sldId id="284" r:id="rId26"/>
+    <p:sldId id="262" r:id="rId27"/>
   </p:sldIdLst>
   <p:sldSz cx="9144000" cy="6858000" type="screen4x3"/>
   <p:notesSz cx="6858000" cy="9144000"/>
@@ -5783,14 +5790,14 @@
             <a:pPr lvl="2"/>
             <a:r>
               <a:rPr lang="en-US" dirty="0" smtClean="0"/>
-              <a:t>All equal zip: assign volume count to this zip</a:t>
+              <a:t>All equal zip: assign volume count and samples to this zip</a:t>
             </a:r>
           </a:p>
           <a:p>
             <a:pPr lvl="2"/>
             <a:r>
               <a:rPr lang="en-US" dirty="0" smtClean="0"/>
-              <a:t>Two equal: assign half volume count to each</a:t>
+              <a:t>Two equal: assign two third volume count and samples to agreeing zips, one third to other</a:t>
             </a:r>
           </a:p>
           <a:p>
@@ -6040,13 +6047,8 @@
             <a:pPr lvl="1"/>
             <a:r>
               <a:rPr lang="en-US" dirty="0" smtClean="0"/>
-              <a:t>Wait one hour and </a:t>
-            </a:r>
-            <a:r>
-              <a:rPr lang="en-US" smtClean="0"/>
-              <a:t>try again</a:t>
-            </a:r>
-            <a:endParaRPr lang="en-US" dirty="0" smtClean="0"/>
+              <a:t>Wait one hour and try again</a:t>
+            </a:r>
           </a:p>
           <a:p>
             <a:pPr marL="349250" lvl="1" indent="0">
@@ -6103,45 +6105,7 @@
           <a:p>
             <a:r>
               <a:rPr lang="en-US" dirty="0" smtClean="0"/>
-              <a:t>Project Deliverables</a:t>
-            </a:r>
-            <a:endParaRPr lang="en-US" dirty="0"/>
-          </a:p>
-        </p:txBody>
-      </p:sp>
-      <p:sp>
-        <p:nvSpPr>
-          <p:cNvPr id="3" name="Content Placeholder 2"/>
-          <p:cNvSpPr>
-            <a:spLocks noGrp="1"/>
-          </p:cNvSpPr>
-          <p:nvPr>
-            <p:ph idx="1"/>
-          </p:nvPr>
-        </p:nvSpPr>
-        <p:spPr/>
-        <p:txBody>
-          <a:bodyPr/>
-          <a:lstStyle/>
-          <a:p>
-            <a:r>
-              <a:rPr lang="en-US" dirty="0" smtClean="0"/>
-              <a:t>Visualization: 2D </a:t>
-            </a:r>
-            <a:r>
-              <a:rPr lang="en-US" dirty="0" err="1" smtClean="0"/>
-              <a:t>Choropleth</a:t>
-            </a:r>
-            <a:r>
-              <a:rPr lang="en-US" dirty="0" smtClean="0"/>
-              <a:t> map</a:t>
-            </a:r>
-          </a:p>
-          <a:p>
-            <a:pPr lvl="1"/>
-            <a:r>
-              <a:rPr lang="en-US" dirty="0" smtClean="0"/>
-              <a:t>Partitioned by ZIP</a:t>
+              <a:t>Walkthrough</a:t>
             </a:r>
             <a:endParaRPr lang="en-US" dirty="0"/>
           </a:p>
@@ -6149,45 +6113,44 @@
       </p:sp>
       <p:pic>
         <p:nvPicPr>
-          <p:cNvPr id="5" name="Picture 4"/>
+          <p:cNvPr id="8" name="Content Placeholder 7" descr="Screen Shot 2016-05-16 at 6.23.37 AM.png"/>
           <p:cNvPicPr>
-            <a:picLocks noChangeAspect="1"/>
+            <a:picLocks noGrp="1" noChangeAspect="1"/>
           </p:cNvPicPr>
-          <p:nvPr/>
+          <p:nvPr>
+            <p:ph idx="1"/>
+          </p:nvPr>
         </p:nvPicPr>
         <p:blipFill>
-          <a:blip r:embed="rId2"/>
+          <a:blip r:embed="rId2">
+            <a:extLst>
+              <a:ext uri="{28A0092B-C50C-407E-A947-70E740481C1C}">
+                <a14:useLocalDpi xmlns:a14="http://schemas.microsoft.com/office/drawing/2010/main" val="0"/>
+              </a:ext>
+            </a:extLst>
+          </a:blip>
+          <a:srcRect t="2207" b="2207"/>
           <a:stretch>
             <a:fillRect/>
           </a:stretch>
         </p:blipFill>
         <p:spPr>
           <a:xfrm>
-            <a:off x="2192833" y="3465502"/>
-            <a:ext cx="4751246" cy="3178056"/>
+            <a:off x="340425" y="2781342"/>
+            <a:ext cx="8451996" cy="4076658"/>
           </a:xfrm>
-          <a:prstGeom prst="rect">
-            <a:avLst/>
-          </a:prstGeom>
         </p:spPr>
       </p:pic>
     </p:spTree>
     <p:extLst>
       <p:ext uri="{BB962C8B-B14F-4D97-AF65-F5344CB8AC3E}">
-        <p14:creationId xmlns:p14="http://schemas.microsoft.com/office/powerpoint/2010/main" val="974367304"/>
+        <p14:creationId xmlns:p14="http://schemas.microsoft.com/office/powerpoint/2010/main" val="3088144302"/>
       </p:ext>
     </p:extLst>
   </p:cSld>
   <p:clrMapOvr>
     <a:masterClrMapping/>
   </p:clrMapOvr>
-  <p:timing>
-    <p:tnLst>
-      <p:par>
-        <p:cTn xmlns:p14="http://schemas.microsoft.com/office/powerpoint/2010/main" id="1" dur="indefinite" restart="never" nodeType="tmRoot"/>
-      </p:par>
-    </p:tnLst>
-  </p:timing>
 </p:sld>
 </file>
 
@@ -6208,40 +6171,115 @@
           <a:chExt cx="0" cy="0"/>
         </a:xfrm>
       </p:grpSpPr>
-      <p:pic>
-        <p:nvPicPr>
-          <p:cNvPr id="11" name="Picture 10" descr="Screen Shot 2016-04-03 at 10.43.53 PM.png"/>
-          <p:cNvPicPr>
-            <a:picLocks noChangeAspect="1"/>
-          </p:cNvPicPr>
-          <p:nvPr/>
-        </p:nvPicPr>
-        <p:blipFill>
-          <a:blip r:embed="rId2">
-            <a:extLst>
-              <a:ext uri="{28A0092B-C50C-407E-A947-70E740481C1C}">
-                <a14:useLocalDpi xmlns:a14="http://schemas.microsoft.com/office/drawing/2010/main" val="0"/>
-              </a:ext>
-            </a:extLst>
-          </a:blip>
-          <a:stretch>
-            <a:fillRect/>
-          </a:stretch>
-        </p:blipFill>
-        <p:spPr>
-          <a:xfrm>
-            <a:off x="0" y="63500"/>
-            <a:ext cx="9144000" cy="6716389"/>
-          </a:xfrm>
-          <a:prstGeom prst="rect">
-            <a:avLst/>
-          </a:prstGeom>
-        </p:spPr>
-      </p:pic>
+      <p:sp>
+        <p:nvSpPr>
+          <p:cNvPr id="2" name="Title 1"/>
+          <p:cNvSpPr>
+            <a:spLocks noGrp="1"/>
+          </p:cNvSpPr>
+          <p:nvPr>
+            <p:ph type="title"/>
+          </p:nvPr>
+        </p:nvSpPr>
+        <p:spPr/>
+        <p:txBody>
+          <a:bodyPr/>
+          <a:lstStyle/>
+          <a:p>
+            <a:r>
+              <a:rPr lang="en-US" dirty="0" smtClean="0"/>
+              <a:t>Final Stretch</a:t>
+            </a:r>
+            <a:endParaRPr lang="en-US" dirty="0"/>
+          </a:p>
+        </p:txBody>
+      </p:sp>
+      <p:sp>
+        <p:nvSpPr>
+          <p:cNvPr id="3" name="Content Placeholder 2"/>
+          <p:cNvSpPr>
+            <a:spLocks noGrp="1"/>
+          </p:cNvSpPr>
+          <p:nvPr>
+            <p:ph idx="1"/>
+          </p:nvPr>
+        </p:nvSpPr>
+        <p:spPr/>
+        <p:txBody>
+          <a:bodyPr/>
+          <a:lstStyle/>
+          <a:p>
+            <a:r>
+              <a:rPr lang="en-US" dirty="0" smtClean="0"/>
+              <a:t>Each dataset has a script to return its result RDD</a:t>
+            </a:r>
+          </a:p>
+          <a:p>
+            <a:r>
+              <a:rPr lang="en-US" dirty="0" err="1" smtClean="0"/>
+              <a:t>Main.py</a:t>
+            </a:r>
+            <a:r>
+              <a:rPr lang="en-US" dirty="0" smtClean="0"/>
+              <a:t> gets all RDD’s and joins them on zip as key</a:t>
+            </a:r>
+          </a:p>
+          <a:p>
+            <a:r>
+              <a:rPr lang="en-US" dirty="0" smtClean="0"/>
+              <a:t>Normalize data</a:t>
+            </a:r>
+          </a:p>
+          <a:p>
+            <a:pPr lvl="1"/>
+            <a:r>
+              <a:rPr lang="en-US" dirty="0" smtClean="0"/>
+              <a:t>days_in_2012_2013 = </a:t>
+            </a:r>
+            <a:r>
+              <a:rPr lang="en-US" dirty="0"/>
+              <a:t>731 # 2012 was a leap year</a:t>
+            </a:r>
+          </a:p>
+          <a:p>
+            <a:pPr lvl="1"/>
+            <a:r>
+              <a:rPr lang="en-US" dirty="0" smtClean="0"/>
+              <a:t>vehicle_count_2012_2013 </a:t>
+            </a:r>
+            <a:r>
+              <a:rPr lang="en-US" dirty="0"/>
+              <a:t>= </a:t>
+            </a:r>
+            <a:r>
+              <a:rPr lang="en-US" dirty="0" err="1"/>
+              <a:t>vehicle_count</a:t>
+            </a:r>
+            <a:r>
+              <a:rPr lang="en-US" dirty="0"/>
+              <a:t> / samples * </a:t>
+            </a:r>
+            <a:r>
+              <a:rPr lang="en-US" dirty="0" smtClean="0"/>
+              <a:t>days_in_2012_2013</a:t>
+            </a:r>
+          </a:p>
+          <a:p>
+            <a:r>
+              <a:rPr lang="en-US" dirty="0" smtClean="0"/>
+              <a:t>Classification and aggregations</a:t>
+            </a:r>
+          </a:p>
+          <a:p>
+            <a:pPr lvl="1"/>
+            <a:endParaRPr lang="en-US" dirty="0"/>
+          </a:p>
+        </p:txBody>
+      </p:sp>
     </p:spTree>
     <p:extLst>
       <p:ext uri="{BB962C8B-B14F-4D97-AF65-F5344CB8AC3E}">
-        <p14:creationId xmlns:p14="http://schemas.microsoft.com/office/powerpoint/2010/main" val="494958113"/>
+        <p14:creationId xmlns:p14="http://schemas.microsoft.com/office/powerpoint/2010/main" val="1502228116"/>
       </p:ext>
     </p:extLst>
   </p:cSld>
@@ -7024,6 +7062,1736 @@
   <p:clrMapOvr>
     <a:masterClrMapping/>
   </p:clrMapOvr>
+</p:sld>
+</file>
+
+<file path=ppt/slides/slide20.xml><?xml version="1.0" encoding="utf-8"?>
+<p:sld xmlns:a="http://schemas.openxmlformats.org/drawingml/2006/main" xmlns:r="http://schemas.openxmlformats.org/officeDocument/2006/relationships" xmlns:p="http://schemas.openxmlformats.org/presentationml/2006/main">
+  <p:cSld>
+    <p:spTree>
+      <p:nvGrpSpPr>
+        <p:cNvPr id="1" name=""/>
+        <p:cNvGrpSpPr/>
+        <p:nvPr/>
+      </p:nvGrpSpPr>
+      <p:grpSpPr>
+        <a:xfrm>
+          <a:off x="0" y="0"/>
+          <a:ext cx="0" cy="0"/>
+          <a:chOff x="0" y="0"/>
+          <a:chExt cx="0" cy="0"/>
+        </a:xfrm>
+      </p:grpSpPr>
+      <p:sp>
+        <p:nvSpPr>
+          <p:cNvPr id="2" name="Title 1"/>
+          <p:cNvSpPr>
+            <a:spLocks noGrp="1"/>
+          </p:cNvSpPr>
+          <p:nvPr>
+            <p:ph type="title"/>
+          </p:nvPr>
+        </p:nvSpPr>
+        <p:spPr/>
+        <p:txBody>
+          <a:bodyPr/>
+          <a:lstStyle/>
+          <a:p>
+            <a:endParaRPr lang="en-US"/>
+          </a:p>
+        </p:txBody>
+      </p:sp>
+      <p:graphicFrame>
+        <p:nvGraphicFramePr>
+          <p:cNvPr id="4" name="Content Placeholder 3"/>
+          <p:cNvGraphicFramePr>
+            <a:graphicFrameLocks noGrp="1"/>
+          </p:cNvGraphicFramePr>
+          <p:nvPr>
+            <p:ph idx="1"/>
+            <p:extLst>
+              <p:ext uri="{D42A27DB-BD31-4B8C-83A1-F6EECF244321}">
+                <p14:modId xmlns:p14="http://schemas.microsoft.com/office/powerpoint/2010/main" val="2259014521"/>
+              </p:ext>
+            </p:extLst>
+          </p:nvPr>
+        </p:nvGraphicFramePr>
+        <p:xfrm>
+          <a:off x="1580351" y="2219518"/>
+          <a:ext cx="4984362" cy="4290560"/>
+        </p:xfrm>
+        <a:graphic>
+          <a:graphicData uri="http://schemas.openxmlformats.org/drawingml/2006/table">
+            <a:tbl>
+              <a:tblPr firstRow="1" bandRow="1">
+                <a:tableStyleId>{5C22544A-7EE6-4342-B048-85BDC9FD1C3A}</a:tableStyleId>
+              </a:tblPr>
+              <a:tblGrid>
+                <a:gridCol w="2048384"/>
+                <a:gridCol w="1274524"/>
+                <a:gridCol w="1661454"/>
+              </a:tblGrid>
+              <a:tr h="622027">
+                <a:tc>
+                  <a:txBody>
+                    <a:bodyPr/>
+                    <a:lstStyle/>
+                    <a:p>
+                      <a:endParaRPr lang="en-US" dirty="0"/>
+                    </a:p>
+                  </a:txBody>
+                  <a:tcPr/>
+                </a:tc>
+                <a:tc>
+                  <a:txBody>
+                    <a:bodyPr/>
+                    <a:lstStyle/>
+                    <a:p>
+                      <a:r>
+                        <a:rPr lang="en-US" dirty="0" smtClean="0"/>
+                        <a:t>Mean</a:t>
+                      </a:r>
+                      <a:endParaRPr lang="en-US" dirty="0"/>
+                    </a:p>
+                  </a:txBody>
+                  <a:tcPr/>
+                </a:tc>
+                <a:tc>
+                  <a:txBody>
+                    <a:bodyPr/>
+                    <a:lstStyle/>
+                    <a:p>
+                      <a:r>
+                        <a:rPr lang="en-US" dirty="0" smtClean="0"/>
+                        <a:t>Standard</a:t>
+                      </a:r>
+                      <a:r>
+                        <a:rPr lang="en-US" baseline="0" dirty="0" smtClean="0"/>
+                        <a:t> deviation</a:t>
+                      </a:r>
+                      <a:endParaRPr lang="en-US" dirty="0"/>
+                    </a:p>
+                  </a:txBody>
+                  <a:tcPr/>
+                </a:tc>
+              </a:tr>
+              <a:tr h="965529">
+                <a:tc>
+                  <a:txBody>
+                    <a:bodyPr/>
+                    <a:lstStyle/>
+                    <a:p>
+                      <a:r>
+                        <a:rPr lang="en-US" dirty="0" smtClean="0"/>
+                        <a:t>Accidents /1000 vehicles</a:t>
+                      </a:r>
+                      <a:endParaRPr lang="en-US" dirty="0"/>
+                    </a:p>
+                  </a:txBody>
+                  <a:tcPr/>
+                </a:tc>
+                <a:tc>
+                  <a:txBody>
+                    <a:bodyPr/>
+                    <a:lstStyle/>
+                    <a:p>
+                      <a:r>
+                        <a:rPr lang="en-US" dirty="0" smtClean="0"/>
+                        <a:t>.1597</a:t>
+                      </a:r>
+                      <a:endParaRPr lang="en-US" dirty="0"/>
+                    </a:p>
+                  </a:txBody>
+                  <a:tcPr/>
+                </a:tc>
+                <a:tc>
+                  <a:txBody>
+                    <a:bodyPr/>
+                    <a:lstStyle/>
+                    <a:p>
+                      <a:r>
+                        <a:rPr lang="en-US" dirty="0" smtClean="0"/>
+                        <a:t>.1457</a:t>
+                      </a:r>
+                      <a:endParaRPr lang="en-US" dirty="0"/>
+                    </a:p>
+                  </a:txBody>
+                  <a:tcPr/>
+                </a:tc>
+              </a:tr>
+              <a:tr h="742715">
+                <a:tc>
+                  <a:txBody>
+                    <a:bodyPr/>
+                    <a:lstStyle/>
+                    <a:p>
+                      <a:r>
+                        <a:rPr lang="en-US" dirty="0" smtClean="0"/>
+                        <a:t>Deaths / </a:t>
+                      </a:r>
+                    </a:p>
+                    <a:p>
+                      <a:r>
+                        <a:rPr lang="en-US" dirty="0" smtClean="0"/>
+                        <a:t>1000</a:t>
+                      </a:r>
+                      <a:r>
+                        <a:rPr lang="en-US" baseline="0" dirty="0" smtClean="0"/>
+                        <a:t> </a:t>
+                      </a:r>
+                      <a:r>
+                        <a:rPr lang="en-US" dirty="0" smtClean="0"/>
+                        <a:t>accidents</a:t>
+                      </a:r>
+                      <a:endParaRPr lang="en-US" dirty="0"/>
+                    </a:p>
+                  </a:txBody>
+                  <a:tcPr/>
+                </a:tc>
+                <a:tc>
+                  <a:txBody>
+                    <a:bodyPr/>
+                    <a:lstStyle/>
+                    <a:p>
+                      <a:r>
+                        <a:rPr lang="en-US" dirty="0" smtClean="0"/>
+                        <a:t>1.3897</a:t>
+                      </a:r>
+                      <a:endParaRPr lang="en-US" dirty="0"/>
+                    </a:p>
+                  </a:txBody>
+                  <a:tcPr/>
+                </a:tc>
+                <a:tc>
+                  <a:txBody>
+                    <a:bodyPr/>
+                    <a:lstStyle/>
+                    <a:p>
+                      <a:r>
+                        <a:rPr lang="en-US" dirty="0" smtClean="0"/>
+                        <a:t>1.3042</a:t>
+                      </a:r>
+                      <a:endParaRPr lang="en-US" dirty="0"/>
+                    </a:p>
+                  </a:txBody>
+                  <a:tcPr/>
+                </a:tc>
+              </a:tr>
+              <a:tr h="888609">
+                <a:tc>
+                  <a:txBody>
+                    <a:bodyPr/>
+                    <a:lstStyle/>
+                    <a:p>
+                      <a:r>
+                        <a:rPr lang="en-US" dirty="0" smtClean="0"/>
+                        <a:t>Injuries / 1000 accidents</a:t>
+                      </a:r>
+                    </a:p>
+                    <a:p>
+                      <a:endParaRPr lang="en-US" dirty="0"/>
+                    </a:p>
+                  </a:txBody>
+                  <a:tcPr/>
+                </a:tc>
+                <a:tc>
+                  <a:txBody>
+                    <a:bodyPr/>
+                    <a:lstStyle/>
+                    <a:p>
+                      <a:r>
+                        <a:rPr lang="en-US" dirty="0" smtClean="0"/>
+                        <a:t>274.1158</a:t>
+                      </a:r>
+                      <a:endParaRPr lang="en-US" dirty="0"/>
+                    </a:p>
+                  </a:txBody>
+                  <a:tcPr/>
+                </a:tc>
+                <a:tc>
+                  <a:txBody>
+                    <a:bodyPr/>
+                    <a:lstStyle/>
+                    <a:p>
+                      <a:r>
+                        <a:rPr lang="en-US" dirty="0" smtClean="0"/>
+                        <a:t>79.1831</a:t>
+                      </a:r>
+                      <a:endParaRPr lang="en-US" dirty="0"/>
+                    </a:p>
+                  </a:txBody>
+                  <a:tcPr/>
+                </a:tc>
+              </a:tr>
+              <a:tr h="1027837">
+                <a:tc>
+                  <a:txBody>
+                    <a:bodyPr/>
+                    <a:lstStyle/>
+                    <a:p>
+                      <a:r>
+                        <a:rPr lang="en-US" dirty="0" smtClean="0"/>
+                        <a:t>Vehicles</a:t>
+                      </a:r>
+                      <a:r>
+                        <a:rPr lang="en-US" baseline="0" dirty="0" smtClean="0"/>
+                        <a:t> involved/accident</a:t>
+                      </a:r>
+                      <a:endParaRPr lang="en-US" dirty="0"/>
+                    </a:p>
+                  </a:txBody>
+                  <a:tcPr/>
+                </a:tc>
+                <a:tc>
+                  <a:txBody>
+                    <a:bodyPr/>
+                    <a:lstStyle/>
+                    <a:p>
+                      <a:r>
+                        <a:rPr lang="en-US" dirty="0" smtClean="0"/>
+                        <a:t>1.9678</a:t>
+                      </a:r>
+                      <a:endParaRPr lang="en-US" dirty="0"/>
+                    </a:p>
+                  </a:txBody>
+                  <a:tcPr/>
+                </a:tc>
+                <a:tc>
+                  <a:txBody>
+                    <a:bodyPr/>
+                    <a:lstStyle/>
+                    <a:p>
+                      <a:r>
+                        <a:rPr lang="en-US" dirty="0" smtClean="0"/>
+                        <a:t>.0474</a:t>
+                      </a:r>
+                      <a:endParaRPr lang="en-US" dirty="0"/>
+                    </a:p>
+                  </a:txBody>
+                  <a:tcPr/>
+                </a:tc>
+              </a:tr>
+            </a:tbl>
+          </a:graphicData>
+        </a:graphic>
+      </p:graphicFrame>
+    </p:spTree>
+    <p:extLst>
+      <p:ext uri="{BB962C8B-B14F-4D97-AF65-F5344CB8AC3E}">
+        <p14:creationId xmlns:p14="http://schemas.microsoft.com/office/powerpoint/2010/main" val="915083220"/>
+      </p:ext>
+    </p:extLst>
+  </p:cSld>
+  <p:clrMapOvr>
+    <a:masterClrMapping/>
+  </p:clrMapOvr>
+  <p:timing>
+    <p:tnLst>
+      <p:par>
+        <p:cTn xmlns:p14="http://schemas.microsoft.com/office/powerpoint/2010/main" id="1" dur="indefinite" restart="never" nodeType="tmRoot"/>
+      </p:par>
+    </p:tnLst>
+  </p:timing>
+</p:sld>
+</file>
+
+<file path=ppt/slides/slide21.xml><?xml version="1.0" encoding="utf-8"?>
+<p:sld xmlns:a="http://schemas.openxmlformats.org/drawingml/2006/main" xmlns:r="http://schemas.openxmlformats.org/officeDocument/2006/relationships" xmlns:p="http://schemas.openxmlformats.org/presentationml/2006/main">
+  <p:cSld>
+    <p:spTree>
+      <p:nvGrpSpPr>
+        <p:cNvPr id="1" name=""/>
+        <p:cNvGrpSpPr/>
+        <p:nvPr/>
+      </p:nvGrpSpPr>
+      <p:grpSpPr>
+        <a:xfrm>
+          <a:off x="0" y="0"/>
+          <a:ext cx="0" cy="0"/>
+          <a:chOff x="0" y="0"/>
+          <a:chExt cx="0" cy="0"/>
+        </a:xfrm>
+      </p:grpSpPr>
+      <p:sp>
+        <p:nvSpPr>
+          <p:cNvPr id="2" name="Title 1"/>
+          <p:cNvSpPr>
+            <a:spLocks noGrp="1"/>
+          </p:cNvSpPr>
+          <p:nvPr>
+            <p:ph type="title"/>
+          </p:nvPr>
+        </p:nvSpPr>
+        <p:spPr/>
+        <p:txBody>
+          <a:bodyPr/>
+          <a:lstStyle/>
+          <a:p>
+            <a:r>
+              <a:rPr lang="en-US" dirty="0" smtClean="0"/>
+              <a:t>Classification</a:t>
+            </a:r>
+            <a:endParaRPr lang="en-US" dirty="0"/>
+          </a:p>
+        </p:txBody>
+      </p:sp>
+      <p:sp>
+        <p:nvSpPr>
+          <p:cNvPr id="3" name="Content Placeholder 2"/>
+          <p:cNvSpPr>
+            <a:spLocks noGrp="1"/>
+          </p:cNvSpPr>
+          <p:nvPr>
+            <p:ph idx="1"/>
+          </p:nvPr>
+        </p:nvSpPr>
+        <p:spPr/>
+        <p:txBody>
+          <a:bodyPr/>
+          <a:lstStyle/>
+          <a:p>
+            <a:r>
+              <a:rPr lang="en-US" dirty="0" smtClean="0"/>
+              <a:t>Want to classify a zip code as either “safe”, “ok”, or hazardous</a:t>
+            </a:r>
+          </a:p>
+          <a:p>
+            <a:pPr lvl="1"/>
+            <a:r>
+              <a:rPr lang="en-US" dirty="0" smtClean="0"/>
+              <a:t>Assuming normal distribution</a:t>
+            </a:r>
+          </a:p>
+          <a:p>
+            <a:pPr lvl="2"/>
+            <a:r>
+              <a:rPr lang="en-US" dirty="0" smtClean="0"/>
+              <a:t>68% should fall within one standard deviation of mean</a:t>
+            </a:r>
+          </a:p>
+          <a:p>
+            <a:pPr lvl="2"/>
+            <a:r>
+              <a:rPr lang="en-US" dirty="0" smtClean="0"/>
+              <a:t>Natural division</a:t>
+            </a:r>
+          </a:p>
+          <a:p>
+            <a:pPr lvl="3"/>
+            <a:r>
+              <a:rPr lang="en-US" dirty="0" smtClean="0"/>
+              <a:t>Above: hazardous</a:t>
+            </a:r>
+          </a:p>
+          <a:p>
+            <a:pPr lvl="3"/>
+            <a:r>
+              <a:rPr lang="en-US" dirty="0" smtClean="0"/>
+              <a:t>Within: ok</a:t>
+            </a:r>
+          </a:p>
+          <a:p>
+            <a:pPr lvl="3"/>
+            <a:r>
+              <a:rPr lang="en-US" dirty="0" smtClean="0"/>
+              <a:t>Below: safe</a:t>
+            </a:r>
+            <a:endParaRPr lang="en-US" dirty="0"/>
+          </a:p>
+        </p:txBody>
+      </p:sp>
+    </p:spTree>
+    <p:extLst>
+      <p:ext uri="{BB962C8B-B14F-4D97-AF65-F5344CB8AC3E}">
+        <p14:creationId xmlns:p14="http://schemas.microsoft.com/office/powerpoint/2010/main" val="3724090883"/>
+      </p:ext>
+    </p:extLst>
+  </p:cSld>
+  <p:clrMapOvr>
+    <a:masterClrMapping/>
+  </p:clrMapOvr>
+</p:sld>
+</file>
+
+<file path=ppt/slides/slide22.xml><?xml version="1.0" encoding="utf-8"?>
+<p:sld xmlns:a="http://schemas.openxmlformats.org/drawingml/2006/main" xmlns:r="http://schemas.openxmlformats.org/officeDocument/2006/relationships" xmlns:p="http://schemas.openxmlformats.org/presentationml/2006/main">
+  <p:cSld>
+    <p:spTree>
+      <p:nvGrpSpPr>
+        <p:cNvPr id="1" name=""/>
+        <p:cNvGrpSpPr/>
+        <p:nvPr/>
+      </p:nvGrpSpPr>
+      <p:grpSpPr>
+        <a:xfrm>
+          <a:off x="0" y="0"/>
+          <a:ext cx="0" cy="0"/>
+          <a:chOff x="0" y="0"/>
+          <a:chExt cx="0" cy="0"/>
+        </a:xfrm>
+      </p:grpSpPr>
+      <p:sp>
+        <p:nvSpPr>
+          <p:cNvPr id="2" name="Title 1"/>
+          <p:cNvSpPr>
+            <a:spLocks noGrp="1"/>
+          </p:cNvSpPr>
+          <p:nvPr>
+            <p:ph type="title"/>
+          </p:nvPr>
+        </p:nvSpPr>
+        <p:spPr/>
+        <p:txBody>
+          <a:bodyPr/>
+          <a:lstStyle/>
+          <a:p>
+            <a:r>
+              <a:rPr lang="en-US" dirty="0" smtClean="0"/>
+              <a:t>Classification</a:t>
+            </a:r>
+            <a:endParaRPr lang="en-US" dirty="0"/>
+          </a:p>
+        </p:txBody>
+      </p:sp>
+      <p:sp>
+        <p:nvSpPr>
+          <p:cNvPr id="3" name="Content Placeholder 2"/>
+          <p:cNvSpPr>
+            <a:spLocks noGrp="1"/>
+          </p:cNvSpPr>
+          <p:nvPr>
+            <p:ph idx="1"/>
+          </p:nvPr>
+        </p:nvSpPr>
+        <p:spPr/>
+        <p:txBody>
+          <a:bodyPr/>
+          <a:lstStyle/>
+          <a:p>
+            <a:r>
+              <a:rPr lang="en-US" dirty="0" smtClean="0"/>
+              <a:t>Most important factor is accidents per 1000 vehicles</a:t>
+            </a:r>
+          </a:p>
+          <a:p>
+            <a:pPr lvl="1"/>
+            <a:r>
+              <a:rPr lang="en-US" dirty="0" smtClean="0"/>
+              <a:t>&gt; one standard deviation above mean </a:t>
+            </a:r>
+          </a:p>
+          <a:p>
+            <a:pPr lvl="2"/>
+            <a:r>
+              <a:rPr lang="en-US" dirty="0"/>
+              <a:t>Hazardous</a:t>
+            </a:r>
+          </a:p>
+          <a:p>
+            <a:pPr lvl="2"/>
+            <a:r>
+              <a:rPr lang="en-US" dirty="0"/>
+              <a:t>Unless &lt; one standard deviation below mean for all other features</a:t>
+            </a:r>
+          </a:p>
+          <a:p>
+            <a:pPr lvl="3"/>
+            <a:r>
+              <a:rPr lang="en-US" dirty="0" smtClean="0"/>
+              <a:t>Ok</a:t>
+            </a:r>
+          </a:p>
+          <a:p>
+            <a:pPr lvl="1"/>
+            <a:r>
+              <a:rPr lang="en-US" dirty="0" smtClean="0"/>
+              <a:t>&lt; one standard deviation below mean</a:t>
+            </a:r>
+          </a:p>
+          <a:p>
+            <a:pPr lvl="2"/>
+            <a:r>
+              <a:rPr lang="en-US" dirty="0" smtClean="0"/>
+              <a:t>Safe</a:t>
+            </a:r>
+          </a:p>
+          <a:p>
+            <a:pPr lvl="2"/>
+            <a:r>
+              <a:rPr lang="en-US" dirty="0" smtClean="0"/>
+              <a:t>Unless &gt; one standard deviation above mean for all other features</a:t>
+            </a:r>
+          </a:p>
+          <a:p>
+            <a:pPr lvl="2"/>
+            <a:endParaRPr lang="en-US" dirty="0" smtClean="0"/>
+          </a:p>
+          <a:p>
+            <a:pPr marL="1371600" lvl="4" indent="0">
+              <a:buNone/>
+            </a:pPr>
+            <a:endParaRPr lang="en-US" dirty="0" smtClean="0"/>
+          </a:p>
+        </p:txBody>
+      </p:sp>
+    </p:spTree>
+    <p:extLst>
+      <p:ext uri="{BB962C8B-B14F-4D97-AF65-F5344CB8AC3E}">
+        <p14:creationId xmlns:p14="http://schemas.microsoft.com/office/powerpoint/2010/main" val="1528247275"/>
+      </p:ext>
+    </p:extLst>
+  </p:cSld>
+  <p:clrMapOvr>
+    <a:masterClrMapping/>
+  </p:clrMapOvr>
+</p:sld>
+</file>
+
+<file path=ppt/slides/slide23.xml><?xml version="1.0" encoding="utf-8"?>
+<p:sld xmlns:a="http://schemas.openxmlformats.org/drawingml/2006/main" xmlns:r="http://schemas.openxmlformats.org/officeDocument/2006/relationships" xmlns:p="http://schemas.openxmlformats.org/presentationml/2006/main">
+  <p:cSld>
+    <p:spTree>
+      <p:nvGrpSpPr>
+        <p:cNvPr id="1" name=""/>
+        <p:cNvGrpSpPr/>
+        <p:nvPr/>
+      </p:nvGrpSpPr>
+      <p:grpSpPr>
+        <a:xfrm>
+          <a:off x="0" y="0"/>
+          <a:ext cx="0" cy="0"/>
+          <a:chOff x="0" y="0"/>
+          <a:chExt cx="0" cy="0"/>
+        </a:xfrm>
+      </p:grpSpPr>
+      <p:sp>
+        <p:nvSpPr>
+          <p:cNvPr id="2" name="Title 1"/>
+          <p:cNvSpPr>
+            <a:spLocks noGrp="1"/>
+          </p:cNvSpPr>
+          <p:nvPr>
+            <p:ph type="title"/>
+          </p:nvPr>
+        </p:nvSpPr>
+        <p:spPr/>
+        <p:txBody>
+          <a:bodyPr/>
+          <a:lstStyle/>
+          <a:p>
+            <a:r>
+              <a:rPr lang="en-US" dirty="0" smtClean="0"/>
+              <a:t>Classification</a:t>
+            </a:r>
+            <a:endParaRPr lang="en-US" dirty="0"/>
+          </a:p>
+        </p:txBody>
+      </p:sp>
+      <p:sp>
+        <p:nvSpPr>
+          <p:cNvPr id="3" name="Content Placeholder 2"/>
+          <p:cNvSpPr>
+            <a:spLocks noGrp="1"/>
+          </p:cNvSpPr>
+          <p:nvPr>
+            <p:ph idx="1"/>
+          </p:nvPr>
+        </p:nvSpPr>
+        <p:spPr/>
+        <p:txBody>
+          <a:bodyPr/>
+          <a:lstStyle/>
+          <a:p>
+            <a:r>
+              <a:rPr lang="en-US" dirty="0" smtClean="0"/>
+              <a:t>One </a:t>
+            </a:r>
+            <a:r>
+              <a:rPr lang="en-US" dirty="0" err="1" smtClean="0"/>
+              <a:t>std</a:t>
+            </a:r>
+            <a:r>
+              <a:rPr lang="en-US" dirty="0" smtClean="0"/>
+              <a:t> </a:t>
+            </a:r>
+            <a:r>
+              <a:rPr lang="en-US" dirty="0" err="1" smtClean="0"/>
+              <a:t>dev</a:t>
+            </a:r>
+            <a:r>
+              <a:rPr lang="en-US" dirty="0" smtClean="0"/>
+              <a:t>  below &lt;   </a:t>
+            </a:r>
+            <a:r>
+              <a:rPr lang="en-US" dirty="0" err="1" smtClean="0"/>
+              <a:t>acc</a:t>
+            </a:r>
+            <a:r>
+              <a:rPr lang="en-US" dirty="0" smtClean="0"/>
+              <a:t>/1000  &lt; one </a:t>
+            </a:r>
+            <a:r>
+              <a:rPr lang="en-US" dirty="0" err="1" smtClean="0"/>
+              <a:t>std</a:t>
+            </a:r>
+            <a:r>
+              <a:rPr lang="en-US" dirty="0" smtClean="0"/>
+              <a:t> </a:t>
+            </a:r>
+            <a:r>
+              <a:rPr lang="en-US" dirty="0" err="1" smtClean="0"/>
+              <a:t>dev</a:t>
+            </a:r>
+            <a:r>
+              <a:rPr lang="en-US" dirty="0" smtClean="0"/>
+              <a:t> above</a:t>
+            </a:r>
+          </a:p>
+          <a:p>
+            <a:pPr lvl="1"/>
+            <a:r>
+              <a:rPr lang="en-US" dirty="0" smtClean="0"/>
+              <a:t>Ok</a:t>
+            </a:r>
+          </a:p>
+          <a:p>
+            <a:pPr lvl="1"/>
+            <a:r>
+              <a:rPr lang="en-US" dirty="0" smtClean="0"/>
+              <a:t>Unless one below in all other features</a:t>
+            </a:r>
+          </a:p>
+          <a:p>
+            <a:pPr lvl="2"/>
+            <a:r>
+              <a:rPr lang="en-US" dirty="0" smtClean="0"/>
+              <a:t>Safe</a:t>
+            </a:r>
+          </a:p>
+          <a:p>
+            <a:pPr lvl="1"/>
+            <a:r>
+              <a:rPr lang="en-US" dirty="0" smtClean="0"/>
+              <a:t>Unless one above in all other features</a:t>
+            </a:r>
+          </a:p>
+          <a:p>
+            <a:pPr lvl="2"/>
+            <a:r>
+              <a:rPr lang="en-US" dirty="0" smtClean="0"/>
+              <a:t>Hazardous</a:t>
+            </a:r>
+          </a:p>
+        </p:txBody>
+      </p:sp>
+    </p:spTree>
+    <p:extLst>
+      <p:ext uri="{BB962C8B-B14F-4D97-AF65-F5344CB8AC3E}">
+        <p14:creationId xmlns:p14="http://schemas.microsoft.com/office/powerpoint/2010/main" val="3857009522"/>
+      </p:ext>
+    </p:extLst>
+  </p:cSld>
+  <p:clrMapOvr>
+    <a:masterClrMapping/>
+  </p:clrMapOvr>
+</p:sld>
+</file>
+
+<file path=ppt/slides/slide24.xml><?xml version="1.0" encoding="utf-8"?>
+<p:sld xmlns:a="http://schemas.openxmlformats.org/drawingml/2006/main" xmlns:r="http://schemas.openxmlformats.org/officeDocument/2006/relationships" xmlns:p="http://schemas.openxmlformats.org/presentationml/2006/main">
+  <p:cSld>
+    <p:spTree>
+      <p:nvGrpSpPr>
+        <p:cNvPr id="1" name=""/>
+        <p:cNvGrpSpPr/>
+        <p:nvPr/>
+      </p:nvGrpSpPr>
+      <p:grpSpPr>
+        <a:xfrm>
+          <a:off x="0" y="0"/>
+          <a:ext cx="0" cy="0"/>
+          <a:chOff x="0" y="0"/>
+          <a:chExt cx="0" cy="0"/>
+        </a:xfrm>
+      </p:grpSpPr>
+      <p:sp>
+        <p:nvSpPr>
+          <p:cNvPr id="2" name="Title 1"/>
+          <p:cNvSpPr>
+            <a:spLocks noGrp="1"/>
+          </p:cNvSpPr>
+          <p:nvPr>
+            <p:ph type="title"/>
+          </p:nvPr>
+        </p:nvSpPr>
+        <p:spPr/>
+        <p:txBody>
+          <a:bodyPr/>
+          <a:lstStyle/>
+          <a:p>
+            <a:r>
+              <a:rPr lang="en-US" dirty="0" smtClean="0"/>
+              <a:t>Results</a:t>
+            </a:r>
+            <a:endParaRPr lang="en-US" dirty="0"/>
+          </a:p>
+        </p:txBody>
+      </p:sp>
+      <p:graphicFrame>
+        <p:nvGraphicFramePr>
+          <p:cNvPr id="4" name="Content Placeholder 3"/>
+          <p:cNvGraphicFramePr>
+            <a:graphicFrameLocks noGrp="1"/>
+          </p:cNvGraphicFramePr>
+          <p:nvPr>
+            <p:ph idx="1"/>
+            <p:extLst>
+              <p:ext uri="{D42A27DB-BD31-4B8C-83A1-F6EECF244321}">
+                <p14:modId xmlns:p14="http://schemas.microsoft.com/office/powerpoint/2010/main" val="622741983"/>
+              </p:ext>
+            </p:extLst>
+          </p:nvPr>
+        </p:nvGraphicFramePr>
+        <p:xfrm>
+          <a:off x="1114425" y="2595563"/>
+          <a:ext cx="7610475" cy="1752600"/>
+        </p:xfrm>
+        <a:graphic>
+          <a:graphicData uri="http://schemas.openxmlformats.org/drawingml/2006/table">
+            <a:tbl>
+              <a:tblPr firstRow="1" bandRow="1">
+                <a:tableStyleId>{5C22544A-7EE6-4342-B048-85BDC9FD1C3A}</a:tableStyleId>
+              </a:tblPr>
+              <a:tblGrid>
+                <a:gridCol w="2536825"/>
+                <a:gridCol w="2536825"/>
+                <a:gridCol w="2536825"/>
+              </a:tblGrid>
+              <a:tr h="370840">
+                <a:tc>
+                  <a:txBody>
+                    <a:bodyPr/>
+                    <a:lstStyle/>
+                    <a:p>
+                      <a:r>
+                        <a:rPr lang="en-US" baseline="0" dirty="0" smtClean="0"/>
+                        <a:t>Label</a:t>
+                      </a:r>
+                      <a:endParaRPr lang="en-US" dirty="0"/>
+                    </a:p>
+                  </a:txBody>
+                  <a:tcPr/>
+                </a:tc>
+                <a:tc>
+                  <a:txBody>
+                    <a:bodyPr/>
+                    <a:lstStyle/>
+                    <a:p>
+                      <a:r>
+                        <a:rPr lang="en-US" dirty="0" smtClean="0"/>
+                        <a:t># Classifications</a:t>
+                      </a:r>
+                      <a:endParaRPr lang="en-US" dirty="0"/>
+                    </a:p>
+                  </a:txBody>
+                  <a:tcPr/>
+                </a:tc>
+                <a:tc>
+                  <a:txBody>
+                    <a:bodyPr/>
+                    <a:lstStyle/>
+                    <a:p>
+                      <a:r>
+                        <a:rPr lang="en-US" dirty="0" smtClean="0"/>
+                        <a:t>Normal</a:t>
+                      </a:r>
+                      <a:r>
+                        <a:rPr lang="en-US" baseline="0" dirty="0" smtClean="0"/>
+                        <a:t> distribution expected</a:t>
+                      </a:r>
+                      <a:endParaRPr lang="en-US" dirty="0"/>
+                    </a:p>
+                  </a:txBody>
+                  <a:tcPr/>
+                </a:tc>
+              </a:tr>
+              <a:tr h="370840">
+                <a:tc>
+                  <a:txBody>
+                    <a:bodyPr/>
+                    <a:lstStyle/>
+                    <a:p>
+                      <a:r>
+                        <a:rPr lang="en-US" dirty="0" smtClean="0"/>
+                        <a:t>Hazardous</a:t>
+                      </a:r>
+                      <a:endParaRPr lang="en-US" dirty="0"/>
+                    </a:p>
+                  </a:txBody>
+                  <a:tcPr/>
+                </a:tc>
+                <a:tc>
+                  <a:txBody>
+                    <a:bodyPr/>
+                    <a:lstStyle/>
+                    <a:p>
+                      <a:r>
+                        <a:rPr lang="en-US" dirty="0" smtClean="0"/>
+                        <a:t>18</a:t>
+                      </a:r>
+                      <a:r>
+                        <a:rPr lang="en-US" baseline="0" dirty="0" smtClean="0"/>
+                        <a:t>   = 12.5%</a:t>
+                      </a:r>
+                      <a:endParaRPr lang="en-US" dirty="0"/>
+                    </a:p>
+                  </a:txBody>
+                  <a:tcPr/>
+                </a:tc>
+                <a:tc>
+                  <a:txBody>
+                    <a:bodyPr/>
+                    <a:lstStyle/>
+                    <a:p>
+                      <a:r>
+                        <a:rPr lang="en-US" dirty="0" smtClean="0"/>
+                        <a:t>16%</a:t>
+                      </a:r>
+                      <a:endParaRPr lang="en-US" dirty="0"/>
+                    </a:p>
+                  </a:txBody>
+                  <a:tcPr/>
+                </a:tc>
+              </a:tr>
+              <a:tr h="370840">
+                <a:tc>
+                  <a:txBody>
+                    <a:bodyPr/>
+                    <a:lstStyle/>
+                    <a:p>
+                      <a:r>
+                        <a:rPr lang="en-US" dirty="0" smtClean="0"/>
+                        <a:t>Ok</a:t>
+                      </a:r>
+                      <a:endParaRPr lang="en-US" dirty="0"/>
+                    </a:p>
+                  </a:txBody>
+                  <a:tcPr/>
+                </a:tc>
+                <a:tc>
+                  <a:txBody>
+                    <a:bodyPr/>
+                    <a:lstStyle/>
+                    <a:p>
+                      <a:r>
+                        <a:rPr lang="en-US" dirty="0" smtClean="0"/>
+                        <a:t>117 =</a:t>
+                      </a:r>
+                      <a:r>
+                        <a:rPr lang="en-US" baseline="0" dirty="0" smtClean="0"/>
+                        <a:t> 81.25%</a:t>
+                      </a:r>
+                      <a:endParaRPr lang="en-US" dirty="0"/>
+                    </a:p>
+                  </a:txBody>
+                  <a:tcPr/>
+                </a:tc>
+                <a:tc>
+                  <a:txBody>
+                    <a:bodyPr/>
+                    <a:lstStyle/>
+                    <a:p>
+                      <a:r>
+                        <a:rPr lang="en-US" dirty="0" smtClean="0"/>
+                        <a:t>68%</a:t>
+                      </a:r>
+                      <a:endParaRPr lang="en-US" dirty="0"/>
+                    </a:p>
+                  </a:txBody>
+                  <a:tcPr/>
+                </a:tc>
+              </a:tr>
+              <a:tr h="370840">
+                <a:tc>
+                  <a:txBody>
+                    <a:bodyPr/>
+                    <a:lstStyle/>
+                    <a:p>
+                      <a:r>
+                        <a:rPr lang="en-US" dirty="0" smtClean="0"/>
+                        <a:t>Safe</a:t>
+                      </a:r>
+                      <a:endParaRPr lang="en-US" dirty="0"/>
+                    </a:p>
+                  </a:txBody>
+                  <a:tcPr/>
+                </a:tc>
+                <a:tc>
+                  <a:txBody>
+                    <a:bodyPr/>
+                    <a:lstStyle/>
+                    <a:p>
+                      <a:r>
+                        <a:rPr lang="en-US" dirty="0" smtClean="0"/>
+                        <a:t>7     = 9.25%</a:t>
+                      </a:r>
+                      <a:endParaRPr lang="en-US" dirty="0"/>
+                    </a:p>
+                  </a:txBody>
+                  <a:tcPr/>
+                </a:tc>
+                <a:tc>
+                  <a:txBody>
+                    <a:bodyPr/>
+                    <a:lstStyle/>
+                    <a:p>
+                      <a:r>
+                        <a:rPr lang="en-US" dirty="0" smtClean="0"/>
+                        <a:t>16%</a:t>
+                      </a:r>
+                      <a:endParaRPr lang="en-US" dirty="0"/>
+                    </a:p>
+                  </a:txBody>
+                  <a:tcPr/>
+                </a:tc>
+              </a:tr>
+            </a:tbl>
+          </a:graphicData>
+        </a:graphic>
+      </p:graphicFrame>
+      <p:sp>
+        <p:nvSpPr>
+          <p:cNvPr id="5" name="TextBox 4"/>
+          <p:cNvSpPr txBox="1"/>
+          <p:nvPr/>
+        </p:nvSpPr>
+        <p:spPr>
+          <a:xfrm>
+            <a:off x="1114425" y="4668224"/>
+            <a:ext cx="4960844" cy="461665"/>
+          </a:xfrm>
+          <a:prstGeom prst="rect">
+            <a:avLst/>
+          </a:prstGeom>
+          <a:noFill/>
+        </p:spPr>
+        <p:txBody>
+          <a:bodyPr wrap="square" rtlCol="0">
+            <a:spAutoFit/>
+          </a:bodyPr>
+          <a:lstStyle/>
+          <a:p>
+            <a:r>
+              <a:rPr lang="en-US" sz="2400" dirty="0" smtClean="0"/>
+              <a:t>Total of 144 zip codes classified</a:t>
+            </a:r>
+            <a:endParaRPr lang="en-US" sz="2400" dirty="0"/>
+          </a:p>
+        </p:txBody>
+      </p:sp>
+    </p:spTree>
+    <p:extLst>
+      <p:ext uri="{BB962C8B-B14F-4D97-AF65-F5344CB8AC3E}">
+        <p14:creationId xmlns:p14="http://schemas.microsoft.com/office/powerpoint/2010/main" val="3654008365"/>
+      </p:ext>
+    </p:extLst>
+  </p:cSld>
+  <p:clrMapOvr>
+    <a:masterClrMapping/>
+  </p:clrMapOvr>
+</p:sld>
+</file>
+
+<file path=ppt/slides/slide25.xml><?xml version="1.0" encoding="utf-8"?>
+<p:sld xmlns:a="http://schemas.openxmlformats.org/drawingml/2006/main" xmlns:r="http://schemas.openxmlformats.org/officeDocument/2006/relationships" xmlns:p="http://schemas.openxmlformats.org/presentationml/2006/main">
+  <p:cSld>
+    <p:spTree>
+      <p:nvGrpSpPr>
+        <p:cNvPr id="1" name=""/>
+        <p:cNvGrpSpPr/>
+        <p:nvPr/>
+      </p:nvGrpSpPr>
+      <p:grpSpPr>
+        <a:xfrm>
+          <a:off x="0" y="0"/>
+          <a:ext cx="0" cy="0"/>
+          <a:chOff x="0" y="0"/>
+          <a:chExt cx="0" cy="0"/>
+        </a:xfrm>
+      </p:grpSpPr>
+      <p:sp>
+        <p:nvSpPr>
+          <p:cNvPr id="2" name="Title 1"/>
+          <p:cNvSpPr>
+            <a:spLocks noGrp="1"/>
+          </p:cNvSpPr>
+          <p:nvPr>
+            <p:ph type="title"/>
+          </p:nvPr>
+        </p:nvSpPr>
+        <p:spPr/>
+        <p:txBody>
+          <a:bodyPr/>
+          <a:lstStyle/>
+          <a:p>
+            <a:r>
+              <a:rPr lang="en-US" dirty="0" smtClean="0"/>
+              <a:t>Results: Top 3 most hazardous</a:t>
+            </a:r>
+            <a:endParaRPr lang="en-US" dirty="0"/>
+          </a:p>
+        </p:txBody>
+      </p:sp>
+      <p:graphicFrame>
+        <p:nvGraphicFramePr>
+          <p:cNvPr id="4" name="Content Placeholder 3"/>
+          <p:cNvGraphicFramePr>
+            <a:graphicFrameLocks noGrp="1"/>
+          </p:cNvGraphicFramePr>
+          <p:nvPr>
+            <p:ph idx="1"/>
+            <p:extLst>
+              <p:ext uri="{D42A27DB-BD31-4B8C-83A1-F6EECF244321}">
+                <p14:modId xmlns:p14="http://schemas.microsoft.com/office/powerpoint/2010/main" val="3728423043"/>
+              </p:ext>
+            </p:extLst>
+          </p:nvPr>
+        </p:nvGraphicFramePr>
+        <p:xfrm>
+          <a:off x="214427" y="2226887"/>
+          <a:ext cx="8699385" cy="4110624"/>
+        </p:xfrm>
+        <a:graphic>
+          <a:graphicData uri="http://schemas.openxmlformats.org/drawingml/2006/table">
+            <a:tbl>
+              <a:tblPr firstRow="1" bandRow="1">
+                <a:tableStyleId>{5C22544A-7EE6-4342-B048-85BDC9FD1C3A}</a:tableStyleId>
+              </a:tblPr>
+              <a:tblGrid>
+                <a:gridCol w="937779"/>
+                <a:gridCol w="968901"/>
+                <a:gridCol w="2081827"/>
+                <a:gridCol w="2592464"/>
+                <a:gridCol w="2118414"/>
+              </a:tblGrid>
+              <a:tr h="682150">
+                <a:tc>
+                  <a:txBody>
+                    <a:bodyPr/>
+                    <a:lstStyle/>
+                    <a:p>
+                      <a:r>
+                        <a:rPr lang="en-US" sz="1400" dirty="0" smtClean="0"/>
+                        <a:t>City</a:t>
+                      </a:r>
+                      <a:endParaRPr lang="en-US" sz="1400" dirty="0"/>
+                    </a:p>
+                  </a:txBody>
+                  <a:tcPr/>
+                </a:tc>
+                <a:tc>
+                  <a:txBody>
+                    <a:bodyPr/>
+                    <a:lstStyle/>
+                    <a:p>
+                      <a:r>
+                        <a:rPr lang="en-US" sz="1400" dirty="0" smtClean="0"/>
+                        <a:t>Zip</a:t>
+                      </a:r>
+                      <a:r>
+                        <a:rPr lang="en-US" sz="1400" baseline="0" dirty="0" smtClean="0"/>
+                        <a:t> Code</a:t>
+                      </a:r>
+                      <a:endParaRPr lang="en-US" sz="1400" dirty="0"/>
+                    </a:p>
+                  </a:txBody>
+                  <a:tcPr/>
+                </a:tc>
+                <a:tc>
+                  <a:txBody>
+                    <a:bodyPr/>
+                    <a:lstStyle/>
+                    <a:p>
+                      <a:r>
+                        <a:rPr lang="en-US" sz="1400" dirty="0" smtClean="0"/>
+                        <a:t>Top 3 factors</a:t>
+                      </a:r>
+                      <a:endParaRPr lang="en-US" sz="1400" dirty="0"/>
+                    </a:p>
+                  </a:txBody>
+                  <a:tcPr/>
+                </a:tc>
+                <a:tc>
+                  <a:txBody>
+                    <a:bodyPr/>
+                    <a:lstStyle/>
+                    <a:p>
+                      <a:r>
+                        <a:rPr lang="en-US" sz="1400" dirty="0" smtClean="0"/>
+                        <a:t>Top 3 vehicle</a:t>
+                      </a:r>
+                      <a:r>
+                        <a:rPr lang="en-US" sz="1400" baseline="0" dirty="0" smtClean="0"/>
+                        <a:t> types</a:t>
+                      </a:r>
+                      <a:endParaRPr lang="en-US" sz="1400" dirty="0"/>
+                    </a:p>
+                  </a:txBody>
+                  <a:tcPr/>
+                </a:tc>
+                <a:tc>
+                  <a:txBody>
+                    <a:bodyPr/>
+                    <a:lstStyle/>
+                    <a:p>
+                      <a:r>
+                        <a:rPr lang="en-US" sz="1400" dirty="0" smtClean="0"/>
+                        <a:t>Top 3 street complaints</a:t>
+                      </a:r>
+                      <a:endParaRPr lang="en-US" sz="1400" dirty="0"/>
+                    </a:p>
+                  </a:txBody>
+                  <a:tcPr/>
+                </a:tc>
+              </a:tr>
+              <a:tr h="1005414">
+                <a:tc>
+                  <a:txBody>
+                    <a:bodyPr/>
+                    <a:lstStyle/>
+                    <a:p>
+                      <a:r>
+                        <a:rPr lang="en-US" sz="1400" dirty="0" smtClean="0"/>
+                        <a:t>Bronx</a:t>
+                      </a:r>
+                      <a:endParaRPr lang="en-US" sz="1400" dirty="0"/>
+                    </a:p>
+                  </a:txBody>
+                  <a:tcPr/>
+                </a:tc>
+                <a:tc>
+                  <a:txBody>
+                    <a:bodyPr/>
+                    <a:lstStyle/>
+                    <a:p>
+                      <a:r>
+                        <a:rPr lang="en-US" sz="1400" dirty="0" smtClean="0"/>
+                        <a:t>10468</a:t>
+                      </a:r>
+                      <a:endParaRPr lang="en-US" sz="1400" dirty="0"/>
+                    </a:p>
+                  </a:txBody>
+                  <a:tcPr/>
+                </a:tc>
+                <a:tc>
+                  <a:txBody>
+                    <a:bodyPr/>
+                    <a:lstStyle/>
+                    <a:p>
+                      <a:r>
+                        <a:rPr lang="en-US" sz="1050" dirty="0" smtClean="0"/>
+                        <a:t>Driver Inattention/Distraction</a:t>
+                      </a:r>
+                    </a:p>
+                    <a:p>
+                      <a:r>
+                        <a:rPr lang="en-US" sz="1050" dirty="0" smtClean="0"/>
+                        <a:t>Failure</a:t>
+                      </a:r>
+                      <a:r>
+                        <a:rPr lang="en-US" sz="1050" baseline="0" dirty="0" smtClean="0"/>
+                        <a:t> to Yield Right of Way</a:t>
+                      </a:r>
+                    </a:p>
+                    <a:p>
+                      <a:r>
+                        <a:rPr lang="en-US" sz="1050" baseline="0" dirty="0" smtClean="0"/>
+                        <a:t>Fatigued/Drowsy</a:t>
+                      </a:r>
+                      <a:endParaRPr lang="en-US" sz="1050" dirty="0"/>
+                    </a:p>
+                  </a:txBody>
+                  <a:tcPr/>
+                </a:tc>
+                <a:tc>
+                  <a:txBody>
+                    <a:bodyPr/>
+                    <a:lstStyle/>
+                    <a:p>
+                      <a:r>
+                        <a:rPr lang="en-US" sz="1050" dirty="0" smtClean="0"/>
+                        <a:t>Passenger Vehicle</a:t>
+                      </a:r>
+                    </a:p>
+                    <a:p>
+                      <a:r>
+                        <a:rPr lang="en-US" sz="1050" dirty="0" smtClean="0"/>
+                        <a:t>Sport</a:t>
+                      </a:r>
+                      <a:r>
+                        <a:rPr lang="en-US" sz="1050" baseline="0" dirty="0" smtClean="0"/>
+                        <a:t> Utility/Station Wagon</a:t>
+                      </a:r>
+                    </a:p>
+                    <a:p>
+                      <a:r>
+                        <a:rPr lang="en-US" sz="1050" baseline="0" dirty="0" smtClean="0"/>
+                        <a:t>Taxi</a:t>
+                      </a:r>
+                      <a:endParaRPr lang="en-US" sz="1050" dirty="0"/>
+                    </a:p>
+                  </a:txBody>
+                  <a:tcPr/>
+                </a:tc>
+                <a:tc>
+                  <a:txBody>
+                    <a:bodyPr/>
+                    <a:lstStyle/>
+                    <a:p>
+                      <a:r>
+                        <a:rPr lang="en-US" sz="1050" dirty="0" smtClean="0"/>
+                        <a:t>Pothole</a:t>
+                      </a:r>
+                    </a:p>
+                    <a:p>
+                      <a:r>
+                        <a:rPr lang="en-US" sz="1050" dirty="0" smtClean="0"/>
+                        <a:t>Street</a:t>
+                      </a:r>
+                      <a:r>
+                        <a:rPr lang="en-US" sz="1050" baseline="0" dirty="0" smtClean="0"/>
+                        <a:t> light out</a:t>
+                      </a:r>
+                    </a:p>
+                    <a:p>
+                      <a:r>
+                        <a:rPr lang="en-US" sz="1050" baseline="0" dirty="0" smtClean="0"/>
+                        <a:t>Failed street repair</a:t>
+                      </a:r>
+                      <a:endParaRPr lang="en-US" sz="1050" dirty="0"/>
+                    </a:p>
+                  </a:txBody>
+                  <a:tcPr/>
+                </a:tc>
+              </a:tr>
+              <a:tr h="1410297">
+                <a:tc>
+                  <a:txBody>
+                    <a:bodyPr/>
+                    <a:lstStyle/>
+                    <a:p>
+                      <a:r>
+                        <a:rPr lang="en-US" sz="1400" dirty="0" smtClean="0"/>
+                        <a:t>Flushing</a:t>
+                      </a:r>
+                      <a:endParaRPr lang="en-US" sz="1400" dirty="0"/>
+                    </a:p>
+                  </a:txBody>
+                  <a:tcPr/>
+                </a:tc>
+                <a:tc>
+                  <a:txBody>
+                    <a:bodyPr/>
+                    <a:lstStyle/>
+                    <a:p>
+                      <a:r>
+                        <a:rPr lang="en-US" sz="1400" dirty="0" smtClean="0"/>
+                        <a:t>11354</a:t>
+                      </a:r>
+                      <a:endParaRPr lang="en-US" sz="1400" dirty="0"/>
+                    </a:p>
+                  </a:txBody>
+                  <a:tcPr/>
+                </a:tc>
+                <a:tc>
+                  <a:txBody>
+                    <a:bodyPr/>
+                    <a:lstStyle/>
+                    <a:p>
+                      <a:r>
+                        <a:rPr lang="en-US" sz="1050" dirty="0" smtClean="0"/>
+                        <a:t>Driver Inattention/Distraction</a:t>
+                      </a:r>
+                    </a:p>
+                    <a:p>
+                      <a:r>
+                        <a:rPr lang="en-US" sz="1050" dirty="0" smtClean="0"/>
+                        <a:t>Failure</a:t>
+                      </a:r>
+                      <a:r>
+                        <a:rPr lang="en-US" sz="1050" baseline="0" dirty="0" smtClean="0"/>
+                        <a:t> to Yield Right of Way</a:t>
+                      </a:r>
+                    </a:p>
+                    <a:p>
+                      <a:pPr marL="0" marR="0" indent="0" algn="l" defTabSz="914400" rtl="0" eaLnBrk="1" fontAlgn="auto" latinLnBrk="0" hangingPunct="1">
+                        <a:lnSpc>
+                          <a:spcPct val="100000"/>
+                        </a:lnSpc>
+                        <a:spcBef>
+                          <a:spcPts val="0"/>
+                        </a:spcBef>
+                        <a:spcAft>
+                          <a:spcPts val="0"/>
+                        </a:spcAft>
+                        <a:buClrTx/>
+                        <a:buSzTx/>
+                        <a:buFontTx/>
+                        <a:buNone/>
+                        <a:tabLst/>
+                        <a:defRPr/>
+                      </a:pPr>
+                      <a:r>
+                        <a:rPr lang="en-US" sz="1050" baseline="0" dirty="0" smtClean="0"/>
+                        <a:t>Fatigued/Drowsy</a:t>
+                      </a:r>
+                      <a:endParaRPr lang="en-US" sz="1050" dirty="0" smtClean="0"/>
+                    </a:p>
+                    <a:p>
+                      <a:endParaRPr lang="en-US" sz="1400" baseline="0" dirty="0" smtClean="0"/>
+                    </a:p>
+                    <a:p>
+                      <a:endParaRPr lang="en-US" sz="1400" dirty="0"/>
+                    </a:p>
+                  </a:txBody>
+                  <a:tcPr/>
+                </a:tc>
+                <a:tc>
+                  <a:txBody>
+                    <a:bodyPr/>
+                    <a:lstStyle/>
+                    <a:p>
+                      <a:r>
+                        <a:rPr lang="en-US" sz="1050" dirty="0" smtClean="0"/>
+                        <a:t>Passenger Vehicle</a:t>
+                      </a:r>
+                    </a:p>
+                    <a:p>
+                      <a:r>
+                        <a:rPr lang="en-US" sz="1050" dirty="0" smtClean="0"/>
+                        <a:t>Sport</a:t>
+                      </a:r>
+                      <a:r>
+                        <a:rPr lang="en-US" sz="1050" baseline="0" dirty="0" smtClean="0"/>
+                        <a:t> Utility/Station Wagon</a:t>
+                      </a:r>
+                    </a:p>
+                    <a:p>
+                      <a:r>
+                        <a:rPr lang="en-US" sz="1050" dirty="0" smtClean="0"/>
+                        <a:t>Other</a:t>
+                      </a:r>
+                      <a:endParaRPr lang="en-US" sz="1050" dirty="0"/>
+                    </a:p>
+                  </a:txBody>
+                  <a:tcPr/>
+                </a:tc>
+                <a:tc>
+                  <a:txBody>
+                    <a:bodyPr/>
+                    <a:lstStyle/>
+                    <a:p>
+                      <a:r>
+                        <a:rPr lang="en-US" sz="1050" dirty="0" smtClean="0"/>
+                        <a:t>Street light out</a:t>
+                      </a:r>
+                    </a:p>
+                    <a:p>
+                      <a:r>
+                        <a:rPr lang="en-US" sz="1050" dirty="0" smtClean="0"/>
+                        <a:t>Pothole</a:t>
+                      </a:r>
+                    </a:p>
+                    <a:p>
+                      <a:r>
+                        <a:rPr lang="en-US" sz="1050" dirty="0" smtClean="0"/>
+                        <a:t>Rough,</a:t>
+                      </a:r>
+                      <a:r>
+                        <a:rPr lang="en-US" sz="1050" baseline="0" dirty="0" smtClean="0"/>
+                        <a:t> pitted, or cracked roads</a:t>
+                      </a:r>
+                      <a:endParaRPr lang="en-US" sz="1050" dirty="0"/>
+                    </a:p>
+                  </a:txBody>
+                  <a:tcPr/>
+                </a:tc>
+              </a:tr>
+              <a:tr h="1012763">
+                <a:tc>
+                  <a:txBody>
+                    <a:bodyPr/>
+                    <a:lstStyle/>
+                    <a:p>
+                      <a:r>
+                        <a:rPr lang="en-US" sz="1400" dirty="0" smtClean="0"/>
+                        <a:t>Brooklyn</a:t>
+                      </a:r>
+                      <a:endParaRPr lang="en-US" sz="1400" dirty="0"/>
+                    </a:p>
+                  </a:txBody>
+                  <a:tcPr/>
+                </a:tc>
+                <a:tc>
+                  <a:txBody>
+                    <a:bodyPr/>
+                    <a:lstStyle/>
+                    <a:p>
+                      <a:r>
+                        <a:rPr lang="en-US" sz="1400" dirty="0" smtClean="0"/>
+                        <a:t>11231</a:t>
+                      </a:r>
+                      <a:endParaRPr lang="en-US" sz="1400" dirty="0"/>
+                    </a:p>
+                  </a:txBody>
+                  <a:tcPr/>
+                </a:tc>
+                <a:tc>
+                  <a:txBody>
+                    <a:bodyPr/>
+                    <a:lstStyle/>
+                    <a:p>
+                      <a:pPr marL="0" marR="0" indent="0" algn="l" defTabSz="914400" rtl="0" eaLnBrk="1" fontAlgn="auto" latinLnBrk="0" hangingPunct="1">
+                        <a:lnSpc>
+                          <a:spcPct val="100000"/>
+                        </a:lnSpc>
+                        <a:spcBef>
+                          <a:spcPts val="0"/>
+                        </a:spcBef>
+                        <a:spcAft>
+                          <a:spcPts val="0"/>
+                        </a:spcAft>
+                        <a:buClrTx/>
+                        <a:buSzTx/>
+                        <a:buFontTx/>
+                        <a:buNone/>
+                        <a:tabLst/>
+                        <a:defRPr/>
+                      </a:pPr>
+                      <a:r>
+                        <a:rPr lang="en-US" sz="1050" dirty="0" smtClean="0"/>
+                        <a:t>Driver Inattention/Distraction</a:t>
+                      </a:r>
+                    </a:p>
+                    <a:p>
+                      <a:pPr marL="0" marR="0" indent="0" algn="l" defTabSz="914400" rtl="0" eaLnBrk="1" fontAlgn="auto" latinLnBrk="0" hangingPunct="1">
+                        <a:lnSpc>
+                          <a:spcPct val="100000"/>
+                        </a:lnSpc>
+                        <a:spcBef>
+                          <a:spcPts val="0"/>
+                        </a:spcBef>
+                        <a:spcAft>
+                          <a:spcPts val="0"/>
+                        </a:spcAft>
+                        <a:buClrTx/>
+                        <a:buSzTx/>
+                        <a:buFontTx/>
+                        <a:buNone/>
+                        <a:tabLst/>
+                        <a:defRPr/>
+                      </a:pPr>
+                      <a:r>
+                        <a:rPr lang="en-US" sz="1050" dirty="0" smtClean="0"/>
+                        <a:t>Oversized Vehicle</a:t>
+                      </a:r>
+                    </a:p>
+                    <a:p>
+                      <a:pPr marL="0" marR="0" indent="0" algn="l" defTabSz="914400" rtl="0" eaLnBrk="1" fontAlgn="auto" latinLnBrk="0" hangingPunct="1">
+                        <a:lnSpc>
+                          <a:spcPct val="100000"/>
+                        </a:lnSpc>
+                        <a:spcBef>
+                          <a:spcPts val="0"/>
+                        </a:spcBef>
+                        <a:spcAft>
+                          <a:spcPts val="0"/>
+                        </a:spcAft>
+                        <a:buClrTx/>
+                        <a:buSzTx/>
+                        <a:buFontTx/>
+                        <a:buNone/>
+                        <a:tabLst/>
+                        <a:defRPr/>
+                      </a:pPr>
+                      <a:r>
+                        <a:rPr lang="en-US" sz="1050" dirty="0" smtClean="0"/>
+                        <a:t>Backing Unsafely</a:t>
+                      </a:r>
+                    </a:p>
+                    <a:p>
+                      <a:endParaRPr lang="en-US" sz="1400" dirty="0"/>
+                    </a:p>
+                  </a:txBody>
+                  <a:tcPr/>
+                </a:tc>
+                <a:tc>
+                  <a:txBody>
+                    <a:bodyPr/>
+                    <a:lstStyle/>
+                    <a:p>
+                      <a:r>
+                        <a:rPr lang="en-US" sz="1050" dirty="0" smtClean="0"/>
+                        <a:t>Passenger Vehicle</a:t>
+                      </a:r>
+                    </a:p>
+                    <a:p>
+                      <a:r>
+                        <a:rPr lang="en-US" sz="1050" dirty="0" smtClean="0"/>
+                        <a:t>Sport</a:t>
+                      </a:r>
+                      <a:r>
+                        <a:rPr lang="en-US" sz="1050" baseline="0" dirty="0" smtClean="0"/>
+                        <a:t> Utility/Station Wagon</a:t>
+                      </a:r>
+                    </a:p>
+                    <a:p>
+                      <a:r>
+                        <a:rPr lang="en-US" sz="1050" dirty="0" smtClean="0"/>
+                        <a:t>Other</a:t>
+                      </a:r>
+                    </a:p>
+                    <a:p>
+                      <a:endParaRPr lang="en-US" sz="1400" dirty="0"/>
+                    </a:p>
+                  </a:txBody>
+                  <a:tcPr/>
+                </a:tc>
+                <a:tc>
+                  <a:txBody>
+                    <a:bodyPr/>
+                    <a:lstStyle/>
+                    <a:p>
+                      <a:r>
+                        <a:rPr lang="en-US" sz="1050" dirty="0" smtClean="0"/>
+                        <a:t>Street light out</a:t>
+                      </a:r>
+                    </a:p>
+                    <a:p>
+                      <a:r>
+                        <a:rPr lang="en-US" sz="1050" dirty="0" smtClean="0"/>
+                        <a:t>Pothole</a:t>
+                      </a:r>
+                    </a:p>
+                    <a:p>
+                      <a:r>
+                        <a:rPr lang="en-US" sz="1050" dirty="0" smtClean="0"/>
+                        <a:t>Failed street repair</a:t>
+                      </a:r>
+                      <a:endParaRPr lang="en-US" sz="1050" dirty="0"/>
+                    </a:p>
+                  </a:txBody>
+                  <a:tcPr/>
+                </a:tc>
+              </a:tr>
+            </a:tbl>
+          </a:graphicData>
+        </a:graphic>
+      </p:graphicFrame>
+    </p:spTree>
+    <p:extLst>
+      <p:ext uri="{BB962C8B-B14F-4D97-AF65-F5344CB8AC3E}">
+        <p14:creationId xmlns:p14="http://schemas.microsoft.com/office/powerpoint/2010/main" val="967131746"/>
+      </p:ext>
+    </p:extLst>
+  </p:cSld>
+  <p:clrMapOvr>
+    <a:masterClrMapping/>
+  </p:clrMapOvr>
+</p:sld>
+</file>
+
+<file path=ppt/slides/slide26.xml><?xml version="1.0" encoding="utf-8"?>
+<p:sld xmlns:a="http://schemas.openxmlformats.org/drawingml/2006/main" xmlns:r="http://schemas.openxmlformats.org/officeDocument/2006/relationships" xmlns:p="http://schemas.openxmlformats.org/presentationml/2006/main">
+  <p:cSld>
+    <p:spTree>
+      <p:nvGrpSpPr>
+        <p:cNvPr id="1" name=""/>
+        <p:cNvGrpSpPr/>
+        <p:nvPr/>
+      </p:nvGrpSpPr>
+      <p:grpSpPr>
+        <a:xfrm>
+          <a:off x="0" y="0"/>
+          <a:ext cx="0" cy="0"/>
+          <a:chOff x="0" y="0"/>
+          <a:chExt cx="0" cy="0"/>
+        </a:xfrm>
+      </p:grpSpPr>
+      <p:sp>
+        <p:nvSpPr>
+          <p:cNvPr id="2" name="Title 1"/>
+          <p:cNvSpPr>
+            <a:spLocks noGrp="1"/>
+          </p:cNvSpPr>
+          <p:nvPr>
+            <p:ph type="title"/>
+          </p:nvPr>
+        </p:nvSpPr>
+        <p:spPr/>
+        <p:txBody>
+          <a:bodyPr/>
+          <a:lstStyle/>
+          <a:p>
+            <a:r>
+              <a:rPr lang="en-US" dirty="0" smtClean="0"/>
+              <a:t>Project Deliverables</a:t>
+            </a:r>
+            <a:endParaRPr lang="en-US" dirty="0"/>
+          </a:p>
+        </p:txBody>
+      </p:sp>
+      <p:sp>
+        <p:nvSpPr>
+          <p:cNvPr id="3" name="Content Placeholder 2"/>
+          <p:cNvSpPr>
+            <a:spLocks noGrp="1"/>
+          </p:cNvSpPr>
+          <p:nvPr>
+            <p:ph idx="1"/>
+          </p:nvPr>
+        </p:nvSpPr>
+        <p:spPr/>
+        <p:txBody>
+          <a:bodyPr/>
+          <a:lstStyle/>
+          <a:p>
+            <a:pPr marL="0" indent="0">
+              <a:buNone/>
+            </a:pPr>
+            <a:r>
+              <a:rPr lang="en-US" dirty="0"/>
+              <a:t>https://</a:t>
+            </a:r>
+            <a:r>
+              <a:rPr lang="en-US" dirty="0" err="1"/>
+              <a:t>jameskasakyan.cartodb.com</a:t>
+            </a:r>
+            <a:r>
+              <a:rPr lang="en-US" dirty="0"/>
+              <a:t>/dashboard</a:t>
+            </a:r>
+            <a:endParaRPr lang="en-US" dirty="0"/>
+          </a:p>
+        </p:txBody>
+      </p:sp>
+    </p:spTree>
+    <p:extLst>
+      <p:ext uri="{BB962C8B-B14F-4D97-AF65-F5344CB8AC3E}">
+        <p14:creationId xmlns:p14="http://schemas.microsoft.com/office/powerpoint/2010/main" val="974367304"/>
+      </p:ext>
+    </p:extLst>
+  </p:cSld>
+  <p:clrMapOvr>
+    <a:masterClrMapping/>
+  </p:clrMapOvr>
+  <p:timing>
+    <p:tnLst>
+      <p:par>
+        <p:cTn xmlns:p14="http://schemas.microsoft.com/office/powerpoint/2010/main" id="1" dur="indefinite" restart="never" nodeType="tmRoot"/>
+      </p:par>
+    </p:tnLst>
+  </p:timing>
 </p:sld>
 </file>
 

--- a/Documents/Kasakyan_James_Proposal_Final_Presentation.pptx
+++ b/Documents/Kasakyan_James_Proposal_Final_Presentation.pptx
@@ -5069,6 +5069,13 @@
   <p:clrMapOvr>
     <a:masterClrMapping/>
   </p:clrMapOvr>
+  <p:timing>
+    <p:tnLst>
+      <p:par>
+        <p:cTn xmlns:p14="http://schemas.microsoft.com/office/powerpoint/2010/main" id="1" dur="indefinite" restart="never" nodeType="tmRoot"/>
+      </p:par>
+    </p:tnLst>
+  </p:timing>
 </p:sld>
 </file>
 
@@ -5154,6 +5161,13 @@
   <p:clrMapOvr>
     <a:masterClrMapping/>
   </p:clrMapOvr>
+  <p:timing>
+    <p:tnLst>
+      <p:par>
+        <p:cTn xmlns:p14="http://schemas.microsoft.com/office/powerpoint/2010/main" id="1" dur="indefinite" restart="never" nodeType="tmRoot"/>
+      </p:par>
+    </p:tnLst>
+  </p:timing>
 </p:sld>
 </file>
 
@@ -5271,6 +5285,13 @@
   <p:clrMapOvr>
     <a:masterClrMapping/>
   </p:clrMapOvr>
+  <p:timing>
+    <p:tnLst>
+      <p:par>
+        <p:cTn xmlns:p14="http://schemas.microsoft.com/office/powerpoint/2010/main" id="1" dur="indefinite" restart="never" nodeType="tmRoot"/>
+      </p:par>
+    </p:tnLst>
+  </p:timing>
 </p:sld>
 </file>
 
@@ -5392,6 +5413,13 @@
   <p:clrMapOvr>
     <a:masterClrMapping/>
   </p:clrMapOvr>
+  <p:timing>
+    <p:tnLst>
+      <p:par>
+        <p:cTn xmlns:p14="http://schemas.microsoft.com/office/powerpoint/2010/main" id="1" dur="indefinite" restart="never" nodeType="tmRoot"/>
+      </p:par>
+    </p:tnLst>
+  </p:timing>
 </p:sld>
 </file>
 
@@ -5548,6 +5576,13 @@
   <p:clrMapOvr>
     <a:masterClrMapping/>
   </p:clrMapOvr>
+  <p:timing>
+    <p:tnLst>
+      <p:par>
+        <p:cTn xmlns:p14="http://schemas.microsoft.com/office/powerpoint/2010/main" id="1" dur="indefinite" restart="never" nodeType="tmRoot"/>
+      </p:par>
+    </p:tnLst>
+  </p:timing>
 </p:sld>
 </file>
 
@@ -5716,6 +5751,13 @@
   <p:clrMapOvr>
     <a:masterClrMapping/>
   </p:clrMapOvr>
+  <p:timing>
+    <p:tnLst>
+      <p:par>
+        <p:cTn xmlns:p14="http://schemas.microsoft.com/office/powerpoint/2010/main" id="1" dur="indefinite" restart="never" nodeType="tmRoot"/>
+      </p:par>
+    </p:tnLst>
+  </p:timing>
 </p:sld>
 </file>
 
@@ -6068,6 +6110,13 @@
   <p:clrMapOvr>
     <a:masterClrMapping/>
   </p:clrMapOvr>
+  <p:timing>
+    <p:tnLst>
+      <p:par>
+        <p:cTn xmlns:p14="http://schemas.microsoft.com/office/powerpoint/2010/main" id="1" dur="indefinite" restart="never" nodeType="tmRoot"/>
+      </p:par>
+    </p:tnLst>
+  </p:timing>
 </p:sld>
 </file>
 
@@ -6151,6 +6200,13 @@
   <p:clrMapOvr>
     <a:masterClrMapping/>
   </p:clrMapOvr>
+  <p:timing>
+    <p:tnLst>
+      <p:par>
+        <p:cTn xmlns:p14="http://schemas.microsoft.com/office/powerpoint/2010/main" id="1" dur="indefinite" restart="never" nodeType="tmRoot"/>
+      </p:par>
+    </p:tnLst>
+  </p:timing>
 </p:sld>
 </file>
 
@@ -7062,6 +7118,13 @@
   <p:clrMapOvr>
     <a:masterClrMapping/>
   </p:clrMapOvr>
+  <p:timing>
+    <p:tnLst>
+      <p:par>
+        <p:cTn xmlns:p14="http://schemas.microsoft.com/office/powerpoint/2010/main" id="1" dur="indefinite" restart="never" nodeType="tmRoot"/>
+      </p:par>
+    </p:tnLst>
+  </p:timing>
 </p:sld>
 </file>
 
@@ -7510,6 +7573,13 @@
   <p:clrMapOvr>
     <a:masterClrMapping/>
   </p:clrMapOvr>
+  <p:timing>
+    <p:tnLst>
+      <p:par>
+        <p:cTn xmlns:p14="http://schemas.microsoft.com/office/powerpoint/2010/main" id="1" dur="indefinite" restart="never" nodeType="tmRoot"/>
+      </p:par>
+    </p:tnLst>
+  </p:timing>
 </p:sld>
 </file>
 
@@ -7644,6 +7714,13 @@
   <p:clrMapOvr>
     <a:masterClrMapping/>
   </p:clrMapOvr>
+  <p:timing>
+    <p:tnLst>
+      <p:par>
+        <p:cTn xmlns:p14="http://schemas.microsoft.com/office/powerpoint/2010/main" id="1" dur="indefinite" restart="never" nodeType="tmRoot"/>
+      </p:par>
+    </p:tnLst>
+  </p:timing>
 </p:sld>
 </file>
 
@@ -7794,6 +7871,13 @@
   <p:clrMapOvr>
     <a:masterClrMapping/>
   </p:clrMapOvr>
+  <p:timing>
+    <p:tnLst>
+      <p:par>
+        <p:cTn xmlns:p14="http://schemas.microsoft.com/office/powerpoint/2010/main" id="1" dur="indefinite" restart="never" nodeType="tmRoot"/>
+      </p:par>
+    </p:tnLst>
+  </p:timing>
 </p:sld>
 </file>
 
@@ -8099,6 +8183,13 @@
   <p:clrMapOvr>
     <a:masterClrMapping/>
   </p:clrMapOvr>
+  <p:timing>
+    <p:tnLst>
+      <p:par>
+        <p:cTn xmlns:p14="http://schemas.microsoft.com/office/powerpoint/2010/main" id="1" dur="indefinite" restart="never" nodeType="tmRoot"/>
+      </p:par>
+    </p:tnLst>
+  </p:timing>
 </p:sld>
 </file>
 
@@ -8698,6 +8789,13 @@
   <p:clrMapOvr>
     <a:masterClrMapping/>
   </p:clrMapOvr>
+  <p:timing>
+    <p:tnLst>
+      <p:par>
+        <p:cTn xmlns:p14="http://schemas.microsoft.com/office/powerpoint/2010/main" id="1" dur="indefinite" restart="never" nodeType="tmRoot"/>
+      </p:par>
+    </p:tnLst>
+  </p:timing>
 </p:sld>
 </file>
 
@@ -9203,6 +9301,13 @@
   <p:clrMapOvr>
     <a:masterClrMapping/>
   </p:clrMapOvr>
+  <p:timing>
+    <p:tnLst>
+      <p:par>
+        <p:cTn xmlns:p14="http://schemas.microsoft.com/office/powerpoint/2010/main" id="1" dur="indefinite" restart="never" nodeType="tmRoot"/>
+      </p:par>
+    </p:tnLst>
+  </p:timing>
 </p:sld>
 </file>
 
@@ -9660,6 +9765,13 @@
   <p:clrMapOvr>
     <a:masterClrMapping/>
   </p:clrMapOvr>
+  <p:timing>
+    <p:tnLst>
+      <p:par>
+        <p:cTn xmlns:p14="http://schemas.microsoft.com/office/powerpoint/2010/main" id="1" dur="indefinite" restart="never" nodeType="tmRoot"/>
+      </p:par>
+    </p:tnLst>
+  </p:timing>
 </p:sld>
 </file>
 
@@ -9789,6 +9901,13 @@
   <p:clrMapOvr>
     <a:masterClrMapping/>
   </p:clrMapOvr>
+  <p:timing>
+    <p:tnLst>
+      <p:par>
+        <p:cTn xmlns:p14="http://schemas.microsoft.com/office/powerpoint/2010/main" id="1" dur="indefinite" restart="never" nodeType="tmRoot"/>
+      </p:par>
+    </p:tnLst>
+  </p:timing>
 </p:sld>
 </file>
 
@@ -9924,6 +10043,13 @@
   <p:clrMapOvr>
     <a:masterClrMapping/>
   </p:clrMapOvr>
+  <p:timing>
+    <p:tnLst>
+      <p:par>
+        <p:cTn xmlns:p14="http://schemas.microsoft.com/office/powerpoint/2010/main" id="1" dur="indefinite" restart="never" nodeType="tmRoot"/>
+      </p:par>
+    </p:tnLst>
+  </p:timing>
 </p:sld>
 </file>
 
@@ -10045,6 +10171,13 @@
   <p:clrMapOvr>
     <a:masterClrMapping/>
   </p:clrMapOvr>
+  <p:timing>
+    <p:tnLst>
+      <p:par>
+        <p:cTn xmlns:p14="http://schemas.microsoft.com/office/powerpoint/2010/main" id="1" dur="indefinite" restart="never" nodeType="tmRoot"/>
+      </p:par>
+    </p:tnLst>
+  </p:timing>
 </p:sld>
 </file>
 
@@ -10128,6 +10261,13 @@
   <p:clrMapOvr>
     <a:masterClrMapping/>
   </p:clrMapOvr>
+  <p:timing>
+    <p:tnLst>
+      <p:par>
+        <p:cTn xmlns:p14="http://schemas.microsoft.com/office/powerpoint/2010/main" id="1" dur="indefinite" restart="never" nodeType="tmRoot"/>
+      </p:par>
+    </p:tnLst>
+  </p:timing>
 </p:sld>
 </file>
 
@@ -10211,6 +10351,13 @@
   <p:clrMapOvr>
     <a:masterClrMapping/>
   </p:clrMapOvr>
+  <p:timing>
+    <p:tnLst>
+      <p:par>
+        <p:cTn xmlns:p14="http://schemas.microsoft.com/office/powerpoint/2010/main" id="1" dur="indefinite" restart="never" nodeType="tmRoot"/>
+      </p:par>
+    </p:tnLst>
+  </p:timing>
 </p:sld>
 </file>
 
